--- a/Questions/Question1/Question1.pptx
+++ b/Questions/Question1/Question1.pptx
@@ -113,6 +113,896 @@
     </p:ext>
   </p:extLst>
 </p:presentation>
+</file>
+
+<file path=ppt/revisionInfo.xml><?xml version="1.0" encoding="utf-8"?>
+<p1510:revInfo xmlns:a="http://schemas.openxmlformats.org/drawingml/2006/main" xmlns:r="http://schemas.openxmlformats.org/officeDocument/2006/relationships" xmlns:p1510="http://schemas.microsoft.com/office/powerpoint/2015/10/main">
+  <p1510:revLst>
+    <p1510:client id="{D43DC7AA-4F00-420A-ABC0-0C0BFD7B0B53}" v="12" dt="2022-11-27T21:41:39.409"/>
+  </p1510:revLst>
+</p1510:revInfo>
+</file>
+
+<file path=ppt/changesInfos/changesInfo1.xml><?xml version="1.0" encoding="utf-8"?>
+<pc:chgInfo xmlns:a="http://schemas.openxmlformats.org/drawingml/2006/main" xmlns:r="http://schemas.openxmlformats.org/officeDocument/2006/relationships" xmlns:ac="http://schemas.microsoft.com/office/drawing/2013/main/command" xmlns:pc="http://schemas.microsoft.com/office/powerpoint/2013/main/command">
+  <pc:docChgLst>
+    <pc:chgData name="sam gibbons" userId="65179f8812aca936" providerId="LiveId" clId="{D43DC7AA-4F00-420A-ABC0-0C0BFD7B0B53}"/>
+    <pc:docChg chg="undo custSel modSld">
+      <pc:chgData name="sam gibbons" userId="65179f8812aca936" providerId="LiveId" clId="{D43DC7AA-4F00-420A-ABC0-0C0BFD7B0B53}" dt="2022-11-27T21:42:21.453" v="106" actId="14100"/>
+      <pc:docMkLst>
+        <pc:docMk/>
+      </pc:docMkLst>
+      <pc:sldChg chg="addSp delSp modSp mod">
+        <pc:chgData name="sam gibbons" userId="65179f8812aca936" providerId="LiveId" clId="{D43DC7AA-4F00-420A-ABC0-0C0BFD7B0B53}" dt="2022-11-27T21:42:04.144" v="103" actId="14100"/>
+        <pc:sldMkLst>
+          <pc:docMk/>
+          <pc:sldMk cId="1150036438" sldId="257"/>
+        </pc:sldMkLst>
+        <pc:spChg chg="del">
+          <ac:chgData name="sam gibbons" userId="65179f8812aca936" providerId="LiveId" clId="{D43DC7AA-4F00-420A-ABC0-0C0BFD7B0B53}" dt="2022-11-27T21:24:54.514" v="8" actId="21"/>
+          <ac:spMkLst>
+            <pc:docMk/>
+            <pc:sldMk cId="1150036438" sldId="257"/>
+            <ac:spMk id="30" creationId="{D28FBB11-2DF4-E34C-6394-312F1A48AAF4}"/>
+          </ac:spMkLst>
+        </pc:spChg>
+        <pc:spChg chg="add del mod">
+          <ac:chgData name="sam gibbons" userId="65179f8812aca936" providerId="LiveId" clId="{D43DC7AA-4F00-420A-ABC0-0C0BFD7B0B53}" dt="2022-11-27T21:24:44.944" v="4" actId="21"/>
+          <ac:spMkLst>
+            <pc:docMk/>
+            <pc:sldMk cId="1150036438" sldId="257"/>
+            <ac:spMk id="33" creationId="{0DA44AEE-2870-CF20-2B16-52381CCDB3EC}"/>
+          </ac:spMkLst>
+        </pc:spChg>
+        <pc:spChg chg="del">
+          <ac:chgData name="sam gibbons" userId="65179f8812aca936" providerId="LiveId" clId="{D43DC7AA-4F00-420A-ABC0-0C0BFD7B0B53}" dt="2022-11-27T21:25:48.922" v="20" actId="26606"/>
+          <ac:spMkLst>
+            <pc:docMk/>
+            <pc:sldMk cId="1150036438" sldId="257"/>
+            <ac:spMk id="76" creationId="{32BC26D8-82FB-445E-AA49-62A77D7C1EE0}"/>
+          </ac:spMkLst>
+        </pc:spChg>
+        <pc:spChg chg="del">
+          <ac:chgData name="sam gibbons" userId="65179f8812aca936" providerId="LiveId" clId="{D43DC7AA-4F00-420A-ABC0-0C0BFD7B0B53}" dt="2022-11-27T21:25:48.922" v="20" actId="26606"/>
+          <ac:spMkLst>
+            <pc:docMk/>
+            <pc:sldMk cId="1150036438" sldId="257"/>
+            <ac:spMk id="77" creationId="{CB44330D-EA18-4254-AA95-EB49948539B8}"/>
+          </ac:spMkLst>
+        </pc:spChg>
+        <pc:spChg chg="add del">
+          <ac:chgData name="sam gibbons" userId="65179f8812aca936" providerId="LiveId" clId="{D43DC7AA-4F00-420A-ABC0-0C0BFD7B0B53}" dt="2022-11-27T21:38:56.223" v="84" actId="26606"/>
+          <ac:spMkLst>
+            <pc:docMk/>
+            <pc:sldMk cId="1150036438" sldId="257"/>
+            <ac:spMk id="82" creationId="{32BC26D8-82FB-445E-AA49-62A77D7C1EE0}"/>
+          </ac:spMkLst>
+        </pc:spChg>
+        <pc:spChg chg="add del">
+          <ac:chgData name="sam gibbons" userId="65179f8812aca936" providerId="LiveId" clId="{D43DC7AA-4F00-420A-ABC0-0C0BFD7B0B53}" dt="2022-11-27T21:38:56.223" v="84" actId="26606"/>
+          <ac:spMkLst>
+            <pc:docMk/>
+            <pc:sldMk cId="1150036438" sldId="257"/>
+            <ac:spMk id="84" creationId="{CB44330D-EA18-4254-AA95-EB49948539B8}"/>
+          </ac:spMkLst>
+        </pc:spChg>
+        <pc:spChg chg="add del">
+          <ac:chgData name="sam gibbons" userId="65179f8812aca936" providerId="LiveId" clId="{D43DC7AA-4F00-420A-ABC0-0C0BFD7B0B53}" dt="2022-11-27T21:39:15.212" v="86" actId="26606"/>
+          <ac:spMkLst>
+            <pc:docMk/>
+            <pc:sldMk cId="1150036438" sldId="257"/>
+            <ac:spMk id="89" creationId="{B9FF99BD-075F-4761-A995-6FC574BD25EA}"/>
+          </ac:spMkLst>
+        </pc:spChg>
+        <pc:spChg chg="add del">
+          <ac:chgData name="sam gibbons" userId="65179f8812aca936" providerId="LiveId" clId="{D43DC7AA-4F00-420A-ABC0-0C0BFD7B0B53}" dt="2022-11-27T21:39:15.212" v="86" actId="26606"/>
+          <ac:spMkLst>
+            <pc:docMk/>
+            <pc:sldMk cId="1150036438" sldId="257"/>
+            <ac:spMk id="91" creationId="{A7B21A54-9BA3-4EA9-B460-5A829ADD9051}"/>
+          </ac:spMkLst>
+        </pc:spChg>
+        <pc:spChg chg="add del">
+          <ac:chgData name="sam gibbons" userId="65179f8812aca936" providerId="LiveId" clId="{D43DC7AA-4F00-420A-ABC0-0C0BFD7B0B53}" dt="2022-11-27T21:39:15.212" v="86" actId="26606"/>
+          <ac:spMkLst>
+            <pc:docMk/>
+            <pc:sldMk cId="1150036438" sldId="257"/>
+            <ac:spMk id="93" creationId="{6FA8F714-B9D8-488A-8CCA-E9948FF913A9}"/>
+          </ac:spMkLst>
+        </pc:spChg>
+        <pc:spChg chg="add">
+          <ac:chgData name="sam gibbons" userId="65179f8812aca936" providerId="LiveId" clId="{D43DC7AA-4F00-420A-ABC0-0C0BFD7B0B53}" dt="2022-11-27T21:39:15.212" v="86" actId="26606"/>
+          <ac:spMkLst>
+            <pc:docMk/>
+            <pc:sldMk cId="1150036438" sldId="257"/>
+            <ac:spMk id="98" creationId="{A93898FF-D987-4B0E-BFB4-85F5EB356D4D}"/>
+          </ac:spMkLst>
+        </pc:spChg>
+        <pc:spChg chg="add">
+          <ac:chgData name="sam gibbons" userId="65179f8812aca936" providerId="LiveId" clId="{D43DC7AA-4F00-420A-ABC0-0C0BFD7B0B53}" dt="2022-11-27T21:39:15.212" v="86" actId="26606"/>
+          <ac:spMkLst>
+            <pc:docMk/>
+            <pc:sldMk cId="1150036438" sldId="257"/>
+            <ac:spMk id="100" creationId="{8654E6D0-A14C-40BE-8E45-0815172668EC}"/>
+          </ac:spMkLst>
+        </pc:spChg>
+        <pc:spChg chg="add">
+          <ac:chgData name="sam gibbons" userId="65179f8812aca936" providerId="LiveId" clId="{D43DC7AA-4F00-420A-ABC0-0C0BFD7B0B53}" dt="2022-11-27T21:39:15.212" v="86" actId="26606"/>
+          <ac:spMkLst>
+            <pc:docMk/>
+            <pc:sldMk cId="1150036438" sldId="257"/>
+            <ac:spMk id="104" creationId="{A737E5B8-8F31-4942-B159-B213C4D6D830}"/>
+          </ac:spMkLst>
+        </pc:spChg>
+        <pc:spChg chg="add">
+          <ac:chgData name="sam gibbons" userId="65179f8812aca936" providerId="LiveId" clId="{D43DC7AA-4F00-420A-ABC0-0C0BFD7B0B53}" dt="2022-11-27T21:39:15.212" v="86" actId="26606"/>
+          <ac:spMkLst>
+            <pc:docMk/>
+            <pc:sldMk cId="1150036438" sldId="257"/>
+            <ac:spMk id="106" creationId="{42A4FC2C-047E-45A5-965D-8E1E3BF09BC6}"/>
+          </ac:spMkLst>
+        </pc:spChg>
+        <pc:spChg chg="add">
+          <ac:chgData name="sam gibbons" userId="65179f8812aca936" providerId="LiveId" clId="{D43DC7AA-4F00-420A-ABC0-0C0BFD7B0B53}" dt="2022-11-27T21:39:15.212" v="86" actId="26606"/>
+          <ac:spMkLst>
+            <pc:docMk/>
+            <pc:sldMk cId="1150036438" sldId="257"/>
+            <ac:spMk id="108" creationId="{78F530DA-C7D1-4968-8F8A-8700C2BB2A49}"/>
+          </ac:spMkLst>
+        </pc:spChg>
+        <pc:picChg chg="del">
+          <ac:chgData name="sam gibbons" userId="65179f8812aca936" providerId="LiveId" clId="{D43DC7AA-4F00-420A-ABC0-0C0BFD7B0B53}" dt="2022-11-27T21:24:35.422" v="2" actId="21"/>
+          <ac:picMkLst>
+            <pc:docMk/>
+            <pc:sldMk cId="1150036438" sldId="257"/>
+            <ac:picMk id="2" creationId="{BA0242E9-9824-18E5-7C6E-8C5519DF78CB}"/>
+          </ac:picMkLst>
+        </pc:picChg>
+        <pc:picChg chg="add del mod">
+          <ac:chgData name="sam gibbons" userId="65179f8812aca936" providerId="LiveId" clId="{D43DC7AA-4F00-420A-ABC0-0C0BFD7B0B53}" dt="2022-11-27T21:40:10.841" v="90" actId="21"/>
+          <ac:picMkLst>
+            <pc:docMk/>
+            <pc:sldMk cId="1150036438" sldId="257"/>
+            <ac:picMk id="3" creationId="{E6576E8C-6A6D-E9F0-61D2-00BEB1B93C5E}"/>
+          </ac:picMkLst>
+        </pc:picChg>
+        <pc:picChg chg="add mod">
+          <ac:chgData name="sam gibbons" userId="65179f8812aca936" providerId="LiveId" clId="{D43DC7AA-4F00-420A-ABC0-0C0BFD7B0B53}" dt="2022-11-27T21:42:04.144" v="103" actId="14100"/>
+          <ac:picMkLst>
+            <pc:docMk/>
+            <pc:sldMk cId="1150036438" sldId="257"/>
+            <ac:picMk id="42" creationId="{50FE812A-7A59-BA17-FE10-805271C2DE91}"/>
+          </ac:picMkLst>
+        </pc:picChg>
+        <pc:picChg chg="add">
+          <ac:chgData name="sam gibbons" userId="65179f8812aca936" providerId="LiveId" clId="{D43DC7AA-4F00-420A-ABC0-0C0BFD7B0B53}" dt="2022-11-27T21:39:15.212" v="86" actId="26606"/>
+          <ac:picMkLst>
+            <pc:docMk/>
+            <pc:sldMk cId="1150036438" sldId="257"/>
+            <ac:picMk id="102" creationId="{5516C1EB-8D62-4BF0-92B5-02E6AE43B1F3}"/>
+          </ac:picMkLst>
+        </pc:picChg>
+      </pc:sldChg>
+      <pc:sldChg chg="addSp delSp modSp mod setBg setClrOvrMap">
+        <pc:chgData name="sam gibbons" userId="65179f8812aca936" providerId="LiveId" clId="{D43DC7AA-4F00-420A-ABC0-0C0BFD7B0B53}" dt="2022-11-27T21:42:21.453" v="106" actId="14100"/>
+        <pc:sldMkLst>
+          <pc:docMk/>
+          <pc:sldMk cId="170591897" sldId="258"/>
+        </pc:sldMkLst>
+        <pc:spChg chg="add del mod">
+          <ac:chgData name="sam gibbons" userId="65179f8812aca936" providerId="LiveId" clId="{D43DC7AA-4F00-420A-ABC0-0C0BFD7B0B53}" dt="2022-11-27T21:25:40.974" v="13"/>
+          <ac:spMkLst>
+            <pc:docMk/>
+            <pc:sldMk cId="170591897" sldId="258"/>
+            <ac:spMk id="6" creationId="{3D70767D-02AC-79C3-0F92-E273253B1E73}"/>
+          </ac:spMkLst>
+        </pc:spChg>
+        <pc:spChg chg="add del mod">
+          <ac:chgData name="sam gibbons" userId="65179f8812aca936" providerId="LiveId" clId="{D43DC7AA-4F00-420A-ABC0-0C0BFD7B0B53}" dt="2022-11-27T21:33:56.607" v="33"/>
+          <ac:spMkLst>
+            <pc:docMk/>
+            <pc:sldMk cId="170591897" sldId="258"/>
+            <ac:spMk id="11" creationId="{7C66B542-8059-524F-3B64-803789AA1E0B}"/>
+          </ac:spMkLst>
+        </pc:spChg>
+        <pc:spChg chg="del">
+          <ac:chgData name="sam gibbons" userId="65179f8812aca936" providerId="LiveId" clId="{D43DC7AA-4F00-420A-ABC0-0C0BFD7B0B53}" dt="2022-11-27T21:25:45.544" v="19" actId="26606"/>
+          <ac:spMkLst>
+            <pc:docMk/>
+            <pc:sldMk cId="170591897" sldId="258"/>
+            <ac:spMk id="14" creationId="{32BC26D8-82FB-445E-AA49-62A77D7C1EE0}"/>
+          </ac:spMkLst>
+        </pc:spChg>
+        <pc:spChg chg="del">
+          <ac:chgData name="sam gibbons" userId="65179f8812aca936" providerId="LiveId" clId="{D43DC7AA-4F00-420A-ABC0-0C0BFD7B0B53}" dt="2022-11-27T21:25:45.544" v="19" actId="26606"/>
+          <ac:spMkLst>
+            <pc:docMk/>
+            <pc:sldMk cId="170591897" sldId="258"/>
+            <ac:spMk id="16" creationId="{CB44330D-EA18-4254-AA95-EB49948539B8}"/>
+          </ac:spMkLst>
+        </pc:spChg>
+        <pc:spChg chg="add del mod">
+          <ac:chgData name="sam gibbons" userId="65179f8812aca936" providerId="LiveId" clId="{D43DC7AA-4F00-420A-ABC0-0C0BFD7B0B53}" dt="2022-11-27T21:36:11.528" v="38"/>
+          <ac:spMkLst>
+            <pc:docMk/>
+            <pc:sldMk cId="170591897" sldId="258"/>
+            <ac:spMk id="17" creationId="{6063C6AE-A569-B842-11E5-2B7A3E0E3817}"/>
+          </ac:spMkLst>
+        </pc:spChg>
+        <pc:spChg chg="add del">
+          <ac:chgData name="sam gibbons" userId="65179f8812aca936" providerId="LiveId" clId="{D43DC7AA-4F00-420A-ABC0-0C0BFD7B0B53}" dt="2022-11-27T21:36:53.098" v="50" actId="26606"/>
+          <ac:spMkLst>
+            <pc:docMk/>
+            <pc:sldMk cId="170591897" sldId="258"/>
+            <ac:spMk id="21" creationId="{32BC26D8-82FB-445E-AA49-62A77D7C1EE0}"/>
+          </ac:spMkLst>
+        </pc:spChg>
+        <pc:spChg chg="add del">
+          <ac:chgData name="sam gibbons" userId="65179f8812aca936" providerId="LiveId" clId="{D43DC7AA-4F00-420A-ABC0-0C0BFD7B0B53}" dt="2022-11-27T21:36:53.098" v="50" actId="26606"/>
+          <ac:spMkLst>
+            <pc:docMk/>
+            <pc:sldMk cId="170591897" sldId="258"/>
+            <ac:spMk id="23" creationId="{CB44330D-EA18-4254-AA95-EB49948539B8}"/>
+          </ac:spMkLst>
+        </pc:spChg>
+        <pc:spChg chg="add del mod">
+          <ac:chgData name="sam gibbons" userId="65179f8812aca936" providerId="LiveId" clId="{D43DC7AA-4F00-420A-ABC0-0C0BFD7B0B53}" dt="2022-11-27T21:36:20.715" v="43"/>
+          <ac:spMkLst>
+            <pc:docMk/>
+            <pc:sldMk cId="170591897" sldId="258"/>
+            <ac:spMk id="25" creationId="{E7D3DE50-26D8-8A8D-4095-2F0271A2E5EB}"/>
+          </ac:spMkLst>
+        </pc:spChg>
+        <pc:spChg chg="add del mod">
+          <ac:chgData name="sam gibbons" userId="65179f8812aca936" providerId="LiveId" clId="{D43DC7AA-4F00-420A-ABC0-0C0BFD7B0B53}" dt="2022-11-27T21:37:38.995" v="53"/>
+          <ac:spMkLst>
+            <pc:docMk/>
+            <pc:sldMk cId="170591897" sldId="258"/>
+            <ac:spMk id="29" creationId="{7565B500-4439-C568-C495-F421CF2F9B8A}"/>
+          </ac:spMkLst>
+        </pc:spChg>
+        <pc:spChg chg="add del">
+          <ac:chgData name="sam gibbons" userId="65179f8812aca936" providerId="LiveId" clId="{D43DC7AA-4F00-420A-ABC0-0C0BFD7B0B53}" dt="2022-11-27T21:36:53.097" v="49" actId="26606"/>
+          <ac:spMkLst>
+            <pc:docMk/>
+            <pc:sldMk cId="170591897" sldId="258"/>
+            <ac:spMk id="32" creationId="{3B432D73-5C38-474F-AF96-A3228731BF36}"/>
+          </ac:spMkLst>
+        </pc:spChg>
+        <pc:spChg chg="add del">
+          <ac:chgData name="sam gibbons" userId="65179f8812aca936" providerId="LiveId" clId="{D43DC7AA-4F00-420A-ABC0-0C0BFD7B0B53}" dt="2022-11-27T21:38:03.884" v="62" actId="26606"/>
+          <ac:spMkLst>
+            <pc:docMk/>
+            <pc:sldMk cId="170591897" sldId="258"/>
+            <ac:spMk id="33" creationId="{6D5872A3-CFF8-4F36-8446-6F1B04585A91}"/>
+          </ac:spMkLst>
+        </pc:spChg>
+        <pc:spChg chg="add del">
+          <ac:chgData name="sam gibbons" userId="65179f8812aca936" providerId="LiveId" clId="{D43DC7AA-4F00-420A-ABC0-0C0BFD7B0B53}" dt="2022-11-27T21:38:07.118" v="66" actId="26606"/>
+          <ac:spMkLst>
+            <pc:docMk/>
+            <pc:sldMk cId="170591897" sldId="258"/>
+            <ac:spMk id="35" creationId="{56C461EB-D7E0-F055-5436-D975E99A91AA}"/>
+          </ac:spMkLst>
+        </pc:spChg>
+        <pc:spChg chg="add del">
+          <ac:chgData name="sam gibbons" userId="65179f8812aca936" providerId="LiveId" clId="{D43DC7AA-4F00-420A-ABC0-0C0BFD7B0B53}" dt="2022-11-27T21:37:48.160" v="57" actId="26606"/>
+          <ac:spMkLst>
+            <pc:docMk/>
+            <pc:sldMk cId="170591897" sldId="258"/>
+            <ac:spMk id="36" creationId="{6FF0F0B8-5B06-4174-9742-1FD7ABE712A7}"/>
+          </ac:spMkLst>
+        </pc:spChg>
+        <pc:spChg chg="add del">
+          <ac:chgData name="sam gibbons" userId="65179f8812aca936" providerId="LiveId" clId="{D43DC7AA-4F00-420A-ABC0-0C0BFD7B0B53}" dt="2022-11-27T21:37:49.717" v="59" actId="26606"/>
+          <ac:spMkLst>
+            <pc:docMk/>
+            <pc:sldMk cId="170591897" sldId="258"/>
+            <ac:spMk id="38" creationId="{E5093ECC-8BEB-4546-A80D-0B48876623DE}"/>
+          </ac:spMkLst>
+        </pc:spChg>
+        <pc:spChg chg="add del">
+          <ac:chgData name="sam gibbons" userId="65179f8812aca936" providerId="LiveId" clId="{D43DC7AA-4F00-420A-ABC0-0C0BFD7B0B53}" dt="2022-11-27T21:38:07.118" v="66" actId="26606"/>
+          <ac:spMkLst>
+            <pc:docMk/>
+            <pc:sldMk cId="170591897" sldId="258"/>
+            <ac:spMk id="40" creationId="{967D8EB6-EAE1-4F9C-B398-83321E287204}"/>
+          </ac:spMkLst>
+        </pc:spChg>
+        <pc:spChg chg="add del">
+          <ac:chgData name="sam gibbons" userId="65179f8812aca936" providerId="LiveId" clId="{D43DC7AA-4F00-420A-ABC0-0C0BFD7B0B53}" dt="2022-11-27T21:38:03.884" v="62" actId="26606"/>
+          <ac:spMkLst>
+            <pc:docMk/>
+            <pc:sldMk cId="170591897" sldId="258"/>
+            <ac:spMk id="42" creationId="{5E2C537D-FECA-4C7F-A65B-F82518B3A196}"/>
+          </ac:spMkLst>
+        </pc:spChg>
+        <pc:spChg chg="add del">
+          <ac:chgData name="sam gibbons" userId="65179f8812aca936" providerId="LiveId" clId="{D43DC7AA-4F00-420A-ABC0-0C0BFD7B0B53}" dt="2022-11-27T21:38:06.134" v="64" actId="26606"/>
+          <ac:spMkLst>
+            <pc:docMk/>
+            <pc:sldMk cId="170591897" sldId="258"/>
+            <ac:spMk id="44" creationId="{E5093ECC-8BEB-4546-A80D-0B48876623DE}"/>
+          </ac:spMkLst>
+        </pc:spChg>
+        <pc:spChg chg="add del">
+          <ac:chgData name="sam gibbons" userId="65179f8812aca936" providerId="LiveId" clId="{D43DC7AA-4F00-420A-ABC0-0C0BFD7B0B53}" dt="2022-11-27T21:38:07.118" v="66" actId="26606"/>
+          <ac:spMkLst>
+            <pc:docMk/>
+            <pc:sldMk cId="170591897" sldId="258"/>
+            <ac:spMk id="46" creationId="{59A309A7-1751-4ABE-A3C1-EEC40366AD89}"/>
+          </ac:spMkLst>
+        </pc:spChg>
+        <pc:spChg chg="add del">
+          <ac:chgData name="sam gibbons" userId="65179f8812aca936" providerId="LiveId" clId="{D43DC7AA-4F00-420A-ABC0-0C0BFD7B0B53}" dt="2022-11-27T21:38:08.127" v="68" actId="26606"/>
+          <ac:spMkLst>
+            <pc:docMk/>
+            <pc:sldMk cId="170591897" sldId="258"/>
+            <ac:spMk id="48" creationId="{22587ECF-85E9-4393-9D87-8EB6F3F6C208}"/>
+          </ac:spMkLst>
+        </pc:spChg>
+        <pc:spChg chg="add del">
+          <ac:chgData name="sam gibbons" userId="65179f8812aca936" providerId="LiveId" clId="{D43DC7AA-4F00-420A-ABC0-0C0BFD7B0B53}" dt="2022-11-27T21:38:08.127" v="68" actId="26606"/>
+          <ac:spMkLst>
+            <pc:docMk/>
+            <pc:sldMk cId="170591897" sldId="258"/>
+            <ac:spMk id="49" creationId="{1A15D543-0735-A3D5-5A57-C9322C0D6E42}"/>
+          </ac:spMkLst>
+        </pc:spChg>
+        <pc:spChg chg="add del">
+          <ac:chgData name="sam gibbons" userId="65179f8812aca936" providerId="LiveId" clId="{D43DC7AA-4F00-420A-ABC0-0C0BFD7B0B53}" dt="2022-11-27T21:38:09.076" v="70" actId="26606"/>
+          <ac:spMkLst>
+            <pc:docMk/>
+            <pc:sldMk cId="170591897" sldId="258"/>
+            <ac:spMk id="60" creationId="{A3BAF07C-C39E-42EB-BB22-8D46691D9735}"/>
+          </ac:spMkLst>
+        </pc:spChg>
+        <pc:spChg chg="add del">
+          <ac:chgData name="sam gibbons" userId="65179f8812aca936" providerId="LiveId" clId="{D43DC7AA-4F00-420A-ABC0-0C0BFD7B0B53}" dt="2022-11-27T21:38:09.076" v="70" actId="26606"/>
+          <ac:spMkLst>
+            <pc:docMk/>
+            <pc:sldMk cId="170591897" sldId="258"/>
+            <ac:spMk id="61" creationId="{44C110BA-81E8-4247-853A-5F2B93E92E46}"/>
+          </ac:spMkLst>
+        </pc:spChg>
+        <pc:spChg chg="add del">
+          <ac:chgData name="sam gibbons" userId="65179f8812aca936" providerId="LiveId" clId="{D43DC7AA-4F00-420A-ABC0-0C0BFD7B0B53}" dt="2022-11-27T21:38:09.076" v="70" actId="26606"/>
+          <ac:spMkLst>
+            <pc:docMk/>
+            <pc:sldMk cId="170591897" sldId="258"/>
+            <ac:spMk id="68" creationId="{08211128-0354-4722-710B-88C52149BAC7}"/>
+          </ac:spMkLst>
+        </pc:spChg>
+        <pc:spChg chg="add del mod">
+          <ac:chgData name="sam gibbons" userId="65179f8812aca936" providerId="LiveId" clId="{D43DC7AA-4F00-420A-ABC0-0C0BFD7B0B53}" dt="2022-11-27T21:41:39.409" v="95"/>
+          <ac:spMkLst>
+            <pc:docMk/>
+            <pc:sldMk cId="170591897" sldId="258"/>
+            <ac:spMk id="69" creationId="{500E152C-24E4-EA2B-F0C1-724079AD38BD}"/>
+          </ac:spMkLst>
+        </pc:spChg>
+        <pc:spChg chg="add del">
+          <ac:chgData name="sam gibbons" userId="65179f8812aca936" providerId="LiveId" clId="{D43DC7AA-4F00-420A-ABC0-0C0BFD7B0B53}" dt="2022-11-27T21:38:13.335" v="72" actId="26606"/>
+          <ac:spMkLst>
+            <pc:docMk/>
+            <pc:sldMk cId="170591897" sldId="258"/>
+            <ac:spMk id="70" creationId="{D462EE7E-14DF-497D-AE08-F6623DB88E99}"/>
+          </ac:spMkLst>
+        </pc:spChg>
+        <pc:spChg chg="add del">
+          <ac:chgData name="sam gibbons" userId="65179f8812aca936" providerId="LiveId" clId="{D43DC7AA-4F00-420A-ABC0-0C0BFD7B0B53}" dt="2022-11-27T21:38:13.335" v="72" actId="26606"/>
+          <ac:spMkLst>
+            <pc:docMk/>
+            <pc:sldMk cId="170591897" sldId="258"/>
+            <ac:spMk id="71" creationId="{820E2AEF-4B9A-4866-A6A9-9503A847DDEA}"/>
+          </ac:spMkLst>
+        </pc:spChg>
+        <pc:spChg chg="add del">
+          <ac:chgData name="sam gibbons" userId="65179f8812aca936" providerId="LiveId" clId="{D43DC7AA-4F00-420A-ABC0-0C0BFD7B0B53}" dt="2022-11-27T21:38:13.335" v="72" actId="26606"/>
+          <ac:spMkLst>
+            <pc:docMk/>
+            <pc:sldMk cId="170591897" sldId="258"/>
+            <ac:spMk id="72" creationId="{C6D84EC8-D7C2-EA3F-AFAB-A5421E94815B}"/>
+          </ac:spMkLst>
+        </pc:spChg>
+        <pc:spChg chg="add del">
+          <ac:chgData name="sam gibbons" userId="65179f8812aca936" providerId="LiveId" clId="{D43DC7AA-4F00-420A-ABC0-0C0BFD7B0B53}" dt="2022-11-27T21:39:07.952" v="85" actId="26606"/>
+          <ac:spMkLst>
+            <pc:docMk/>
+            <pc:sldMk cId="170591897" sldId="258"/>
+            <ac:spMk id="74" creationId="{32BC26D8-82FB-445E-AA49-62A77D7C1EE0}"/>
+          </ac:spMkLst>
+        </pc:spChg>
+        <pc:spChg chg="add del">
+          <ac:chgData name="sam gibbons" userId="65179f8812aca936" providerId="LiveId" clId="{D43DC7AA-4F00-420A-ABC0-0C0BFD7B0B53}" dt="2022-11-27T21:39:07.952" v="85" actId="26606"/>
+          <ac:spMkLst>
+            <pc:docMk/>
+            <pc:sldMk cId="170591897" sldId="258"/>
+            <ac:spMk id="75" creationId="{CB44330D-EA18-4254-AA95-EB49948539B8}"/>
+          </ac:spMkLst>
+        </pc:spChg>
+        <pc:spChg chg="add del">
+          <ac:chgData name="sam gibbons" userId="65179f8812aca936" providerId="LiveId" clId="{D43DC7AA-4F00-420A-ABC0-0C0BFD7B0B53}" dt="2022-11-27T21:39:21.091" v="87" actId="26606"/>
+          <ac:spMkLst>
+            <pc:docMk/>
+            <pc:sldMk cId="170591897" sldId="258"/>
+            <ac:spMk id="79" creationId="{3E02C20F-DD03-FD78-21F2-B72C3856568C}"/>
+          </ac:spMkLst>
+        </pc:spChg>
+        <pc:spChg chg="add del">
+          <ac:chgData name="sam gibbons" userId="65179f8812aca936" providerId="LiveId" clId="{D43DC7AA-4F00-420A-ABC0-0C0BFD7B0B53}" dt="2022-11-27T21:39:21.091" v="87" actId="26606"/>
+          <ac:spMkLst>
+            <pc:docMk/>
+            <pc:sldMk cId="170591897" sldId="258"/>
+            <ac:spMk id="82" creationId="{0D7B6173-1D58-48E2-83CF-37350F315F75}"/>
+          </ac:spMkLst>
+        </pc:spChg>
+        <pc:spChg chg="add del">
+          <ac:chgData name="sam gibbons" userId="65179f8812aca936" providerId="LiveId" clId="{D43DC7AA-4F00-420A-ABC0-0C0BFD7B0B53}" dt="2022-11-27T21:39:21.091" v="87" actId="26606"/>
+          <ac:spMkLst>
+            <pc:docMk/>
+            <pc:sldMk cId="170591897" sldId="258"/>
+            <ac:spMk id="84" creationId="{BE149CDF-5DAC-4860-A285-9492CF2090AA}"/>
+          </ac:spMkLst>
+        </pc:spChg>
+        <pc:spChg chg="add del">
+          <ac:chgData name="sam gibbons" userId="65179f8812aca936" providerId="LiveId" clId="{D43DC7AA-4F00-420A-ABC0-0C0BFD7B0B53}" dt="2022-11-27T21:39:21.091" v="87" actId="26606"/>
+          <ac:spMkLst>
+            <pc:docMk/>
+            <pc:sldMk cId="170591897" sldId="258"/>
+            <ac:spMk id="88" creationId="{21BDEC81-16A7-4451-B893-C15000083B77}"/>
+          </ac:spMkLst>
+        </pc:spChg>
+        <pc:spChg chg="add del">
+          <ac:chgData name="sam gibbons" userId="65179f8812aca936" providerId="LiveId" clId="{D43DC7AA-4F00-420A-ABC0-0C0BFD7B0B53}" dt="2022-11-27T21:39:21.091" v="87" actId="26606"/>
+          <ac:spMkLst>
+            <pc:docMk/>
+            <pc:sldMk cId="170591897" sldId="258"/>
+            <ac:spMk id="90" creationId="{26A515A1-4D80-430E-BE0A-71A290516A82}"/>
+          </ac:spMkLst>
+        </pc:spChg>
+        <pc:spChg chg="add del">
+          <ac:chgData name="sam gibbons" userId="65179f8812aca936" providerId="LiveId" clId="{D43DC7AA-4F00-420A-ABC0-0C0BFD7B0B53}" dt="2022-11-27T21:41:42.549" v="97" actId="26606"/>
+          <ac:spMkLst>
+            <pc:docMk/>
+            <pc:sldMk cId="170591897" sldId="258"/>
+            <ac:spMk id="95" creationId="{A93898FF-D987-4B0E-BFB4-85F5EB356D4D}"/>
+          </ac:spMkLst>
+        </pc:spChg>
+        <pc:spChg chg="add del">
+          <ac:chgData name="sam gibbons" userId="65179f8812aca936" providerId="LiveId" clId="{D43DC7AA-4F00-420A-ABC0-0C0BFD7B0B53}" dt="2022-11-27T21:41:42.549" v="97" actId="26606"/>
+          <ac:spMkLst>
+            <pc:docMk/>
+            <pc:sldMk cId="170591897" sldId="258"/>
+            <ac:spMk id="97" creationId="{8654E6D0-A14C-40BE-8E45-0815172668EC}"/>
+          </ac:spMkLst>
+        </pc:spChg>
+        <pc:spChg chg="add del">
+          <ac:chgData name="sam gibbons" userId="65179f8812aca936" providerId="LiveId" clId="{D43DC7AA-4F00-420A-ABC0-0C0BFD7B0B53}" dt="2022-11-27T21:41:42.549" v="97" actId="26606"/>
+          <ac:spMkLst>
+            <pc:docMk/>
+            <pc:sldMk cId="170591897" sldId="258"/>
+            <ac:spMk id="101" creationId="{A737E5B8-8F31-4942-B159-B213C4D6D830}"/>
+          </ac:spMkLst>
+        </pc:spChg>
+        <pc:spChg chg="add del">
+          <ac:chgData name="sam gibbons" userId="65179f8812aca936" providerId="LiveId" clId="{D43DC7AA-4F00-420A-ABC0-0C0BFD7B0B53}" dt="2022-11-27T21:41:42.549" v="97" actId="26606"/>
+          <ac:spMkLst>
+            <pc:docMk/>
+            <pc:sldMk cId="170591897" sldId="258"/>
+            <ac:spMk id="103" creationId="{42A4FC2C-047E-45A5-965D-8E1E3BF09BC6}"/>
+          </ac:spMkLst>
+        </pc:spChg>
+        <pc:spChg chg="add del">
+          <ac:chgData name="sam gibbons" userId="65179f8812aca936" providerId="LiveId" clId="{D43DC7AA-4F00-420A-ABC0-0C0BFD7B0B53}" dt="2022-11-27T21:41:42.549" v="97" actId="26606"/>
+          <ac:spMkLst>
+            <pc:docMk/>
+            <pc:sldMk cId="170591897" sldId="258"/>
+            <ac:spMk id="105" creationId="{78F530DA-C7D1-4968-8F8A-8700C2BB2A49}"/>
+          </ac:spMkLst>
+        </pc:spChg>
+        <pc:spChg chg="add">
+          <ac:chgData name="sam gibbons" userId="65179f8812aca936" providerId="LiveId" clId="{D43DC7AA-4F00-420A-ABC0-0C0BFD7B0B53}" dt="2022-11-27T21:41:42.549" v="97" actId="26606"/>
+          <ac:spMkLst>
+            <pc:docMk/>
+            <pc:sldMk cId="170591897" sldId="258"/>
+            <ac:spMk id="110" creationId="{A93898FF-D987-4B0E-BFB4-85F5EB356D4D}"/>
+          </ac:spMkLst>
+        </pc:spChg>
+        <pc:spChg chg="add">
+          <ac:chgData name="sam gibbons" userId="65179f8812aca936" providerId="LiveId" clId="{D43DC7AA-4F00-420A-ABC0-0C0BFD7B0B53}" dt="2022-11-27T21:41:42.549" v="97" actId="26606"/>
+          <ac:spMkLst>
+            <pc:docMk/>
+            <pc:sldMk cId="170591897" sldId="258"/>
+            <ac:spMk id="112" creationId="{8654E6D0-A14C-40BE-8E45-0815172668EC}"/>
+          </ac:spMkLst>
+        </pc:spChg>
+        <pc:spChg chg="add">
+          <ac:chgData name="sam gibbons" userId="65179f8812aca936" providerId="LiveId" clId="{D43DC7AA-4F00-420A-ABC0-0C0BFD7B0B53}" dt="2022-11-27T21:41:42.549" v="97" actId="26606"/>
+          <ac:spMkLst>
+            <pc:docMk/>
+            <pc:sldMk cId="170591897" sldId="258"/>
+            <ac:spMk id="116" creationId="{A737E5B8-8F31-4942-B159-B213C4D6D830}"/>
+          </ac:spMkLst>
+        </pc:spChg>
+        <pc:spChg chg="add">
+          <ac:chgData name="sam gibbons" userId="65179f8812aca936" providerId="LiveId" clId="{D43DC7AA-4F00-420A-ABC0-0C0BFD7B0B53}" dt="2022-11-27T21:41:42.549" v="97" actId="26606"/>
+          <ac:spMkLst>
+            <pc:docMk/>
+            <pc:sldMk cId="170591897" sldId="258"/>
+            <ac:spMk id="118" creationId="{42A4FC2C-047E-45A5-965D-8E1E3BF09BC6}"/>
+          </ac:spMkLst>
+        </pc:spChg>
+        <pc:spChg chg="add">
+          <ac:chgData name="sam gibbons" userId="65179f8812aca936" providerId="LiveId" clId="{D43DC7AA-4F00-420A-ABC0-0C0BFD7B0B53}" dt="2022-11-27T21:41:42.549" v="97" actId="26606"/>
+          <ac:spMkLst>
+            <pc:docMk/>
+            <pc:sldMk cId="170591897" sldId="258"/>
+            <ac:spMk id="120" creationId="{78F530DA-C7D1-4968-8F8A-8700C2BB2A49}"/>
+          </ac:spMkLst>
+        </pc:spChg>
+        <pc:grpChg chg="add del">
+          <ac:chgData name="sam gibbons" userId="65179f8812aca936" providerId="LiveId" clId="{D43DC7AA-4F00-420A-ABC0-0C0BFD7B0B53}" dt="2022-11-27T21:38:03.884" v="62" actId="26606"/>
+          <ac:grpSpMkLst>
+            <pc:docMk/>
+            <pc:sldMk cId="170591897" sldId="258"/>
+            <ac:grpSpMk id="34" creationId="{47EC0934-1503-4296-A688-FC4E83E3F60F}"/>
+          </ac:grpSpMkLst>
+        </pc:grpChg>
+        <pc:grpChg chg="add del">
+          <ac:chgData name="sam gibbons" userId="65179f8812aca936" providerId="LiveId" clId="{D43DC7AA-4F00-420A-ABC0-0C0BFD7B0B53}" dt="2022-11-27T21:38:09.076" v="70" actId="26606"/>
+          <ac:grpSpMkLst>
+            <pc:docMk/>
+            <pc:sldMk cId="170591897" sldId="258"/>
+            <ac:grpSpMk id="62" creationId="{D8E9CF54-0466-4261-9E62-0249E60E1886}"/>
+          </ac:grpSpMkLst>
+        </pc:grpChg>
+        <pc:picChg chg="del">
+          <ac:chgData name="sam gibbons" userId="65179f8812aca936" providerId="LiveId" clId="{D43DC7AA-4F00-420A-ABC0-0C0BFD7B0B53}" dt="2022-11-27T21:25:36.641" v="12" actId="21"/>
+          <ac:picMkLst>
+            <pc:docMk/>
+            <pc:sldMk cId="170591897" sldId="258"/>
+            <ac:picMk id="4" creationId="{8CE5EA98-88C7-ED41-9A0D-CC15733DF064}"/>
+          </ac:picMkLst>
+        </pc:picChg>
+        <pc:picChg chg="add del mod">
+          <ac:chgData name="sam gibbons" userId="65179f8812aca936" providerId="LiveId" clId="{D43DC7AA-4F00-420A-ABC0-0C0BFD7B0B53}" dt="2022-11-27T21:33:49.346" v="32" actId="21"/>
+          <ac:picMkLst>
+            <pc:docMk/>
+            <pc:sldMk cId="170591897" sldId="258"/>
+            <ac:picMk id="8" creationId="{1E54CB4B-1CC4-DB1B-632E-364A8893E54C}"/>
+          </ac:picMkLst>
+        </pc:picChg>
+        <pc:picChg chg="add del mod">
+          <ac:chgData name="sam gibbons" userId="65179f8812aca936" providerId="LiveId" clId="{D43DC7AA-4F00-420A-ABC0-0C0BFD7B0B53}" dt="2022-11-27T21:35:55.135" v="37" actId="21"/>
+          <ac:picMkLst>
+            <pc:docMk/>
+            <pc:sldMk cId="170591897" sldId="258"/>
+            <ac:picMk id="13" creationId="{19829101-EB0F-1D67-BED7-5B74B104688B}"/>
+          </ac:picMkLst>
+        </pc:picChg>
+        <pc:picChg chg="add del mod">
+          <ac:chgData name="sam gibbons" userId="65179f8812aca936" providerId="LiveId" clId="{D43DC7AA-4F00-420A-ABC0-0C0BFD7B0B53}" dt="2022-11-27T21:36:17.081" v="42" actId="21"/>
+          <ac:picMkLst>
+            <pc:docMk/>
+            <pc:sldMk cId="170591897" sldId="258"/>
+            <ac:picMk id="19" creationId="{79A901FA-B15E-A36A-70C0-BD52C361C541}"/>
+          </ac:picMkLst>
+        </pc:picChg>
+        <pc:picChg chg="add del mod">
+          <ac:chgData name="sam gibbons" userId="65179f8812aca936" providerId="LiveId" clId="{D43DC7AA-4F00-420A-ABC0-0C0BFD7B0B53}" dt="2022-11-27T21:36:15.267" v="41" actId="21"/>
+          <ac:picMkLst>
+            <pc:docMk/>
+            <pc:sldMk cId="170591897" sldId="258"/>
+            <ac:picMk id="22" creationId="{CEBC97F2-4D46-F9E5-F331-BDBD30483D17}"/>
+          </ac:picMkLst>
+        </pc:picChg>
+        <pc:picChg chg="add del mod">
+          <ac:chgData name="sam gibbons" userId="65179f8812aca936" providerId="LiveId" clId="{D43DC7AA-4F00-420A-ABC0-0C0BFD7B0B53}" dt="2022-11-27T21:37:34.711" v="52" actId="21"/>
+          <ac:picMkLst>
+            <pc:docMk/>
+            <pc:sldMk cId="170591897" sldId="258"/>
+            <ac:picMk id="27" creationId="{40CC4895-7A1C-ABC9-30D2-B8725B1D5A85}"/>
+          </ac:picMkLst>
+        </pc:picChg>
+        <pc:picChg chg="add del mod">
+          <ac:chgData name="sam gibbons" userId="65179f8812aca936" providerId="LiveId" clId="{D43DC7AA-4F00-420A-ABC0-0C0BFD7B0B53}" dt="2022-11-27T21:41:34.475" v="94" actId="21"/>
+          <ac:picMkLst>
+            <pc:docMk/>
+            <pc:sldMk cId="170591897" sldId="258"/>
+            <ac:picMk id="31" creationId="{1E5DACAF-42DB-BE24-6A85-000848C53A33}"/>
+          </ac:picMkLst>
+        </pc:picChg>
+        <pc:picChg chg="add mod">
+          <ac:chgData name="sam gibbons" userId="65179f8812aca936" providerId="LiveId" clId="{D43DC7AA-4F00-420A-ABC0-0C0BFD7B0B53}" dt="2022-11-27T21:42:21.453" v="106" actId="14100"/>
+          <ac:picMkLst>
+            <pc:docMk/>
+            <pc:sldMk cId="170591897" sldId="258"/>
+            <ac:picMk id="76" creationId="{3740F7F8-8D94-71E4-025E-1B73B089FBAE}"/>
+          </ac:picMkLst>
+        </pc:picChg>
+        <pc:picChg chg="add del">
+          <ac:chgData name="sam gibbons" userId="65179f8812aca936" providerId="LiveId" clId="{D43DC7AA-4F00-420A-ABC0-0C0BFD7B0B53}" dt="2022-11-27T21:39:21.091" v="87" actId="26606"/>
+          <ac:picMkLst>
+            <pc:docMk/>
+            <pc:sldMk cId="170591897" sldId="258"/>
+            <ac:picMk id="86" creationId="{B0DAC8FB-A162-44E3-A606-C855A03A5B09}"/>
+          </ac:picMkLst>
+        </pc:picChg>
+        <pc:picChg chg="add del">
+          <ac:chgData name="sam gibbons" userId="65179f8812aca936" providerId="LiveId" clId="{D43DC7AA-4F00-420A-ABC0-0C0BFD7B0B53}" dt="2022-11-27T21:41:42.549" v="97" actId="26606"/>
+          <ac:picMkLst>
+            <pc:docMk/>
+            <pc:sldMk cId="170591897" sldId="258"/>
+            <ac:picMk id="99" creationId="{5516C1EB-8D62-4BF0-92B5-02E6AE43B1F3}"/>
+          </ac:picMkLst>
+        </pc:picChg>
+        <pc:picChg chg="add">
+          <ac:chgData name="sam gibbons" userId="65179f8812aca936" providerId="LiveId" clId="{D43DC7AA-4F00-420A-ABC0-0C0BFD7B0B53}" dt="2022-11-27T21:41:42.549" v="97" actId="26606"/>
+          <ac:picMkLst>
+            <pc:docMk/>
+            <pc:sldMk cId="170591897" sldId="258"/>
+            <ac:picMk id="114" creationId="{5516C1EB-8D62-4BF0-92B5-02E6AE43B1F3}"/>
+          </ac:picMkLst>
+        </pc:picChg>
+      </pc:sldChg>
+      <pc:sldChg chg="addSp delSp modSp mod">
+        <pc:chgData name="sam gibbons" userId="65179f8812aca936" providerId="LiveId" clId="{D43DC7AA-4F00-420A-ABC0-0C0BFD7B0B53}" dt="2022-11-27T21:42:10.218" v="104" actId="14100"/>
+        <pc:sldMkLst>
+          <pc:docMk/>
+          <pc:sldMk cId="4108213880" sldId="259"/>
+        </pc:sldMkLst>
+        <pc:spChg chg="add del mod">
+          <ac:chgData name="sam gibbons" userId="65179f8812aca936" providerId="LiveId" clId="{D43DC7AA-4F00-420A-ABC0-0C0BFD7B0B53}" dt="2022-11-27T21:26:10.577" v="25" actId="21"/>
+          <ac:spMkLst>
+            <pc:docMk/>
+            <pc:sldMk cId="4108213880" sldId="259"/>
+            <ac:spMk id="8" creationId="{EFCD5A4B-B65E-0973-BD22-C52397EC8CA4}"/>
+          </ac:spMkLst>
+        </pc:spChg>
+        <pc:spChg chg="del">
+          <ac:chgData name="sam gibbons" userId="65179f8812aca936" providerId="LiveId" clId="{D43DC7AA-4F00-420A-ABC0-0C0BFD7B0B53}" dt="2022-11-27T21:26:17.451" v="31" actId="26606"/>
+          <ac:spMkLst>
+            <pc:docMk/>
+            <pc:sldMk cId="4108213880" sldId="259"/>
+            <ac:spMk id="9" creationId="{32BC26D8-82FB-445E-AA49-62A77D7C1EE0}"/>
+          </ac:spMkLst>
+        </pc:spChg>
+        <pc:spChg chg="del">
+          <ac:chgData name="sam gibbons" userId="65179f8812aca936" providerId="LiveId" clId="{D43DC7AA-4F00-420A-ABC0-0C0BFD7B0B53}" dt="2022-11-27T21:26:17.451" v="31" actId="26606"/>
+          <ac:spMkLst>
+            <pc:docMk/>
+            <pc:sldMk cId="4108213880" sldId="259"/>
+            <ac:spMk id="11" creationId="{CB44330D-EA18-4254-AA95-EB49948539B8}"/>
+          </ac:spMkLst>
+        </pc:spChg>
+        <pc:spChg chg="add del">
+          <ac:chgData name="sam gibbons" userId="65179f8812aca936" providerId="LiveId" clId="{D43DC7AA-4F00-420A-ABC0-0C0BFD7B0B53}" dt="2022-11-27T21:38:34.502" v="78" actId="26606"/>
+          <ac:spMkLst>
+            <pc:docMk/>
+            <pc:sldMk cId="4108213880" sldId="259"/>
+            <ac:spMk id="17" creationId="{32BC26D8-82FB-445E-AA49-62A77D7C1EE0}"/>
+          </ac:spMkLst>
+        </pc:spChg>
+        <pc:spChg chg="add del">
+          <ac:chgData name="sam gibbons" userId="65179f8812aca936" providerId="LiveId" clId="{D43DC7AA-4F00-420A-ABC0-0C0BFD7B0B53}" dt="2022-11-27T21:38:34.502" v="78" actId="26606"/>
+          <ac:spMkLst>
+            <pc:docMk/>
+            <pc:sldMk cId="4108213880" sldId="259"/>
+            <ac:spMk id="19" creationId="{CB44330D-EA18-4254-AA95-EB49948539B8}"/>
+          </ac:spMkLst>
+        </pc:spChg>
+        <pc:spChg chg="add del">
+          <ac:chgData name="sam gibbons" userId="65179f8812aca936" providerId="LiveId" clId="{D43DC7AA-4F00-420A-ABC0-0C0BFD7B0B53}" dt="2022-11-27T21:39:23.668" v="88" actId="26606"/>
+          <ac:spMkLst>
+            <pc:docMk/>
+            <pc:sldMk cId="4108213880" sldId="259"/>
+            <ac:spMk id="24" creationId="{32BC26D8-82FB-445E-AA49-62A77D7C1EE0}"/>
+          </ac:spMkLst>
+        </pc:spChg>
+        <pc:spChg chg="add del">
+          <ac:chgData name="sam gibbons" userId="65179f8812aca936" providerId="LiveId" clId="{D43DC7AA-4F00-420A-ABC0-0C0BFD7B0B53}" dt="2022-11-27T21:39:23.668" v="88" actId="26606"/>
+          <ac:spMkLst>
+            <pc:docMk/>
+            <pc:sldMk cId="4108213880" sldId="259"/>
+            <ac:spMk id="26" creationId="{CB44330D-EA18-4254-AA95-EB49948539B8}"/>
+          </ac:spMkLst>
+        </pc:spChg>
+        <pc:spChg chg="add">
+          <ac:chgData name="sam gibbons" userId="65179f8812aca936" providerId="LiveId" clId="{D43DC7AA-4F00-420A-ABC0-0C0BFD7B0B53}" dt="2022-11-27T21:39:23.668" v="88" actId="26606"/>
+          <ac:spMkLst>
+            <pc:docMk/>
+            <pc:sldMk cId="4108213880" sldId="259"/>
+            <ac:spMk id="31" creationId="{A93898FF-D987-4B0E-BFB4-85F5EB356D4D}"/>
+          </ac:spMkLst>
+        </pc:spChg>
+        <pc:spChg chg="add">
+          <ac:chgData name="sam gibbons" userId="65179f8812aca936" providerId="LiveId" clId="{D43DC7AA-4F00-420A-ABC0-0C0BFD7B0B53}" dt="2022-11-27T21:39:23.668" v="88" actId="26606"/>
+          <ac:spMkLst>
+            <pc:docMk/>
+            <pc:sldMk cId="4108213880" sldId="259"/>
+            <ac:spMk id="33" creationId="{8654E6D0-A14C-40BE-8E45-0815172668EC}"/>
+          </ac:spMkLst>
+        </pc:spChg>
+        <pc:spChg chg="add">
+          <ac:chgData name="sam gibbons" userId="65179f8812aca936" providerId="LiveId" clId="{D43DC7AA-4F00-420A-ABC0-0C0BFD7B0B53}" dt="2022-11-27T21:39:23.668" v="88" actId="26606"/>
+          <ac:spMkLst>
+            <pc:docMk/>
+            <pc:sldMk cId="4108213880" sldId="259"/>
+            <ac:spMk id="37" creationId="{A737E5B8-8F31-4942-B159-B213C4D6D830}"/>
+          </ac:spMkLst>
+        </pc:spChg>
+        <pc:spChg chg="add">
+          <ac:chgData name="sam gibbons" userId="65179f8812aca936" providerId="LiveId" clId="{D43DC7AA-4F00-420A-ABC0-0C0BFD7B0B53}" dt="2022-11-27T21:39:23.668" v="88" actId="26606"/>
+          <ac:spMkLst>
+            <pc:docMk/>
+            <pc:sldMk cId="4108213880" sldId="259"/>
+            <ac:spMk id="39" creationId="{42A4FC2C-047E-45A5-965D-8E1E3BF09BC6}"/>
+          </ac:spMkLst>
+        </pc:spChg>
+        <pc:spChg chg="add">
+          <ac:chgData name="sam gibbons" userId="65179f8812aca936" providerId="LiveId" clId="{D43DC7AA-4F00-420A-ABC0-0C0BFD7B0B53}" dt="2022-11-27T21:39:23.668" v="88" actId="26606"/>
+          <ac:spMkLst>
+            <pc:docMk/>
+            <pc:sldMk cId="4108213880" sldId="259"/>
+            <ac:spMk id="41" creationId="{78F530DA-C7D1-4968-8F8A-8700C2BB2A49}"/>
+          </ac:spMkLst>
+        </pc:spChg>
+        <pc:picChg chg="del">
+          <ac:chgData name="sam gibbons" userId="65179f8812aca936" providerId="LiveId" clId="{D43DC7AA-4F00-420A-ABC0-0C0BFD7B0B53}" dt="2022-11-27T21:26:02.399" v="24" actId="21"/>
+          <ac:picMkLst>
+            <pc:docMk/>
+            <pc:sldMk cId="4108213880" sldId="259"/>
+            <ac:picMk id="4" creationId="{3E8AB92F-11D9-E8AA-E065-FE42C2F3C23A}"/>
+          </ac:picMkLst>
+        </pc:picChg>
+        <pc:picChg chg="add del mod">
+          <ac:chgData name="sam gibbons" userId="65179f8812aca936" providerId="LiveId" clId="{D43DC7AA-4F00-420A-ABC0-0C0BFD7B0B53}" dt="2022-11-27T21:26:13.511" v="27" actId="21"/>
+          <ac:picMkLst>
+            <pc:docMk/>
+            <pc:sldMk cId="4108213880" sldId="259"/>
+            <ac:picMk id="6" creationId="{0FC22BE5-59B6-F08D-9B8F-12EAF621D577}"/>
+          </ac:picMkLst>
+        </pc:picChg>
+        <pc:picChg chg="add del mod">
+          <ac:chgData name="sam gibbons" userId="65179f8812aca936" providerId="LiveId" clId="{D43DC7AA-4F00-420A-ABC0-0C0BFD7B0B53}" dt="2022-11-27T21:38:22.751" v="74" actId="21"/>
+          <ac:picMkLst>
+            <pc:docMk/>
+            <pc:sldMk cId="4108213880" sldId="259"/>
+            <ac:picMk id="12" creationId="{4BEEE180-1EE8-5B90-567F-BD2112B9E5E5}"/>
+          </ac:picMkLst>
+        </pc:picChg>
+        <pc:picChg chg="add mod">
+          <ac:chgData name="sam gibbons" userId="65179f8812aca936" providerId="LiveId" clId="{D43DC7AA-4F00-420A-ABC0-0C0BFD7B0B53}" dt="2022-11-27T21:42:10.218" v="104" actId="14100"/>
+          <ac:picMkLst>
+            <pc:docMk/>
+            <pc:sldMk cId="4108213880" sldId="259"/>
+            <ac:picMk id="14" creationId="{39F832DF-6FB2-D525-C9C5-9C7C9ED23152}"/>
+          </ac:picMkLst>
+        </pc:picChg>
+        <pc:picChg chg="add">
+          <ac:chgData name="sam gibbons" userId="65179f8812aca936" providerId="LiveId" clId="{D43DC7AA-4F00-420A-ABC0-0C0BFD7B0B53}" dt="2022-11-27T21:39:23.668" v="88" actId="26606"/>
+          <ac:picMkLst>
+            <pc:docMk/>
+            <pc:sldMk cId="4108213880" sldId="259"/>
+            <ac:picMk id="35" creationId="{5516C1EB-8D62-4BF0-92B5-02E6AE43B1F3}"/>
+          </ac:picMkLst>
+        </pc:picChg>
+      </pc:sldChg>
+      <pc:sldChg chg="addSp delSp modSp mod">
+        <pc:chgData name="sam gibbons" userId="65179f8812aca936" providerId="LiveId" clId="{D43DC7AA-4F00-420A-ABC0-0C0BFD7B0B53}" dt="2022-11-27T21:42:13.225" v="105" actId="14100"/>
+        <pc:sldMkLst>
+          <pc:docMk/>
+          <pc:sldMk cId="1948411427" sldId="260"/>
+        </pc:sldMkLst>
+        <pc:spChg chg="add del mod">
+          <ac:chgData name="sam gibbons" userId="65179f8812aca936" providerId="LiveId" clId="{D43DC7AA-4F00-420A-ABC0-0C0BFD7B0B53}" dt="2022-11-27T21:38:49.421" v="80"/>
+          <ac:spMkLst>
+            <pc:docMk/>
+            <pc:sldMk cId="1948411427" sldId="260"/>
+            <ac:spMk id="6" creationId="{CC325984-2A55-27C8-1232-B7C8E74120A1}"/>
+          </ac:spMkLst>
+        </pc:spChg>
+        <pc:spChg chg="del">
+          <ac:chgData name="sam gibbons" userId="65179f8812aca936" providerId="LiveId" clId="{D43DC7AA-4F00-420A-ABC0-0C0BFD7B0B53}" dt="2022-11-27T21:38:51.654" v="81" actId="26606"/>
+          <ac:spMkLst>
+            <pc:docMk/>
+            <pc:sldMk cId="1948411427" sldId="260"/>
+            <ac:spMk id="9" creationId="{32BC26D8-82FB-445E-AA49-62A77D7C1EE0}"/>
+          </ac:spMkLst>
+        </pc:spChg>
+        <pc:spChg chg="del">
+          <ac:chgData name="sam gibbons" userId="65179f8812aca936" providerId="LiveId" clId="{D43DC7AA-4F00-420A-ABC0-0C0BFD7B0B53}" dt="2022-11-27T21:38:51.654" v="81" actId="26606"/>
+          <ac:spMkLst>
+            <pc:docMk/>
+            <pc:sldMk cId="1948411427" sldId="260"/>
+            <ac:spMk id="11" creationId="{CB44330D-EA18-4254-AA95-EB49948539B8}"/>
+          </ac:spMkLst>
+        </pc:spChg>
+        <pc:spChg chg="add del">
+          <ac:chgData name="sam gibbons" userId="65179f8812aca936" providerId="LiveId" clId="{D43DC7AA-4F00-420A-ABC0-0C0BFD7B0B53}" dt="2022-11-27T21:39:26.669" v="89" actId="26606"/>
+          <ac:spMkLst>
+            <pc:docMk/>
+            <pc:sldMk cId="1948411427" sldId="260"/>
+            <ac:spMk id="16" creationId="{32BC26D8-82FB-445E-AA49-62A77D7C1EE0}"/>
+          </ac:spMkLst>
+        </pc:spChg>
+        <pc:spChg chg="add del">
+          <ac:chgData name="sam gibbons" userId="65179f8812aca936" providerId="LiveId" clId="{D43DC7AA-4F00-420A-ABC0-0C0BFD7B0B53}" dt="2022-11-27T21:39:26.669" v="89" actId="26606"/>
+          <ac:spMkLst>
+            <pc:docMk/>
+            <pc:sldMk cId="1948411427" sldId="260"/>
+            <ac:spMk id="18" creationId="{CB44330D-EA18-4254-AA95-EB49948539B8}"/>
+          </ac:spMkLst>
+        </pc:spChg>
+        <pc:spChg chg="add">
+          <ac:chgData name="sam gibbons" userId="65179f8812aca936" providerId="LiveId" clId="{D43DC7AA-4F00-420A-ABC0-0C0BFD7B0B53}" dt="2022-11-27T21:39:26.669" v="89" actId="26606"/>
+          <ac:spMkLst>
+            <pc:docMk/>
+            <pc:sldMk cId="1948411427" sldId="260"/>
+            <ac:spMk id="23" creationId="{A93898FF-D987-4B0E-BFB4-85F5EB356D4D}"/>
+          </ac:spMkLst>
+        </pc:spChg>
+        <pc:spChg chg="add">
+          <ac:chgData name="sam gibbons" userId="65179f8812aca936" providerId="LiveId" clId="{D43DC7AA-4F00-420A-ABC0-0C0BFD7B0B53}" dt="2022-11-27T21:39:26.669" v="89" actId="26606"/>
+          <ac:spMkLst>
+            <pc:docMk/>
+            <pc:sldMk cId="1948411427" sldId="260"/>
+            <ac:spMk id="25" creationId="{8654E6D0-A14C-40BE-8E45-0815172668EC}"/>
+          </ac:spMkLst>
+        </pc:spChg>
+        <pc:spChg chg="add">
+          <ac:chgData name="sam gibbons" userId="65179f8812aca936" providerId="LiveId" clId="{D43DC7AA-4F00-420A-ABC0-0C0BFD7B0B53}" dt="2022-11-27T21:39:26.669" v="89" actId="26606"/>
+          <ac:spMkLst>
+            <pc:docMk/>
+            <pc:sldMk cId="1948411427" sldId="260"/>
+            <ac:spMk id="29" creationId="{A737E5B8-8F31-4942-B159-B213C4D6D830}"/>
+          </ac:spMkLst>
+        </pc:spChg>
+        <pc:spChg chg="add">
+          <ac:chgData name="sam gibbons" userId="65179f8812aca936" providerId="LiveId" clId="{D43DC7AA-4F00-420A-ABC0-0C0BFD7B0B53}" dt="2022-11-27T21:39:26.669" v="89" actId="26606"/>
+          <ac:spMkLst>
+            <pc:docMk/>
+            <pc:sldMk cId="1948411427" sldId="260"/>
+            <ac:spMk id="31" creationId="{42A4FC2C-047E-45A5-965D-8E1E3BF09BC6}"/>
+          </ac:spMkLst>
+        </pc:spChg>
+        <pc:spChg chg="add">
+          <ac:chgData name="sam gibbons" userId="65179f8812aca936" providerId="LiveId" clId="{D43DC7AA-4F00-420A-ABC0-0C0BFD7B0B53}" dt="2022-11-27T21:39:26.669" v="89" actId="26606"/>
+          <ac:spMkLst>
+            <pc:docMk/>
+            <pc:sldMk cId="1948411427" sldId="260"/>
+            <ac:spMk id="33" creationId="{78F530DA-C7D1-4968-8F8A-8700C2BB2A49}"/>
+          </ac:spMkLst>
+        </pc:spChg>
+        <pc:picChg chg="del">
+          <ac:chgData name="sam gibbons" userId="65179f8812aca936" providerId="LiveId" clId="{D43DC7AA-4F00-420A-ABC0-0C0BFD7B0B53}" dt="2022-11-27T21:38:44.878" v="79" actId="21"/>
+          <ac:picMkLst>
+            <pc:docMk/>
+            <pc:sldMk cId="1948411427" sldId="260"/>
+            <ac:picMk id="4" creationId="{4CEE54D6-E181-AA3D-CB38-73622CB4A2AC}"/>
+          </ac:picMkLst>
+        </pc:picChg>
+        <pc:picChg chg="add mod">
+          <ac:chgData name="sam gibbons" userId="65179f8812aca936" providerId="LiveId" clId="{D43DC7AA-4F00-420A-ABC0-0C0BFD7B0B53}" dt="2022-11-27T21:42:13.225" v="105" actId="14100"/>
+          <ac:picMkLst>
+            <pc:docMk/>
+            <pc:sldMk cId="1948411427" sldId="260"/>
+            <ac:picMk id="8" creationId="{DDE1BED1-0C73-EBFA-1FB6-AD7B6E15AF04}"/>
+          </ac:picMkLst>
+        </pc:picChg>
+        <pc:picChg chg="add">
+          <ac:chgData name="sam gibbons" userId="65179f8812aca936" providerId="LiveId" clId="{D43DC7AA-4F00-420A-ABC0-0C0BFD7B0B53}" dt="2022-11-27T21:39:26.669" v="89" actId="26606"/>
+          <ac:picMkLst>
+            <pc:docMk/>
+            <pc:sldMk cId="1948411427" sldId="260"/>
+            <ac:picMk id="27" creationId="{5516C1EB-8D62-4BF0-92B5-02E6AE43B1F3}"/>
+          </ac:picMkLst>
+        </pc:picChg>
+      </pc:sldChg>
+    </pc:docChg>
+  </pc:docChgLst>
+</pc:chgInfo>
 </file>
 
 <file path=ppt/slideLayouts/slideLayout1.xml><?xml version="1.0" encoding="utf-8"?>
@@ -3358,12 +4248,12 @@
           <a:chExt cx="0" cy="0"/>
         </a:xfrm>
       </p:grpSpPr>
-      <p:sp>
-        <p:nvSpPr>
-          <p:cNvPr id="76" name="Rectangle 36">
-            <a:extLst>
-              <a:ext uri="{FF2B5EF4-FFF2-40B4-BE49-F238E27FC236}">
-                <a16:creationId xmlns:a16="http://schemas.microsoft.com/office/drawing/2014/main" id="{32BC26D8-82FB-445E-AA49-62A77D7C1EE0}"/>
+      <p:sp useBgFill="1">
+        <p:nvSpPr>
+          <p:cNvPr id="98" name="Rectangle 97">
+            <a:extLst>
+              <a:ext uri="{FF2B5EF4-FFF2-40B4-BE49-F238E27FC236}">
+                <a16:creationId xmlns:a16="http://schemas.microsoft.com/office/drawing/2014/main" id="{A93898FF-D987-4B0E-BFB4-85F5EB356D4D}"/>
               </a:ext>
               <a:ext uri="{C183D7F6-B498-43B3-948B-1728B52AA6E4}">
                 <adec:decorative xmlns:adec="http://schemas.microsoft.com/office/drawing/2017/decorative" val="1"/>
@@ -3383,16 +4273,75 @@
         </p:nvSpPr>
         <p:spPr>
           <a:xfrm>
+            <a:off x="0" y="-1"/>
+            <a:ext cx="12188952" cy="6858000"/>
+          </a:xfrm>
+          <a:prstGeom prst="rect">
+            <a:avLst/>
+          </a:prstGeom>
+          <a:ln>
+            <a:noFill/>
+          </a:ln>
+        </p:spPr>
+        <p:style>
+          <a:lnRef idx="2">
+            <a:schemeClr val="accent1">
+              <a:shade val="50000"/>
+            </a:schemeClr>
+          </a:lnRef>
+          <a:fillRef idx="1">
+            <a:schemeClr val="accent1"/>
+          </a:fillRef>
+          <a:effectRef idx="0">
+            <a:schemeClr val="accent1"/>
+          </a:effectRef>
+          <a:fontRef idx="minor">
+            <a:schemeClr val="lt1"/>
+          </a:fontRef>
+        </p:style>
+        <p:txBody>
+          <a:bodyPr rtlCol="0" anchor="ctr"/>
+          <a:lstStyle/>
+          <a:p>
+            <a:pPr algn="ctr"/>
+            <a:endParaRPr lang="en-US"/>
+          </a:p>
+        </p:txBody>
+      </p:sp>
+      <p:sp>
+        <p:nvSpPr>
+          <p:cNvPr id="100" name="Rectangle 99">
+            <a:extLst>
+              <a:ext uri="{FF2B5EF4-FFF2-40B4-BE49-F238E27FC236}">
+                <a16:creationId xmlns:a16="http://schemas.microsoft.com/office/drawing/2014/main" id="{8654E6D0-A14C-40BE-8E45-0815172668EC}"/>
+              </a:ext>
+              <a:ext uri="{C183D7F6-B498-43B3-948B-1728B52AA6E4}">
+                <adec:decorative xmlns:adec="http://schemas.microsoft.com/office/drawing/2017/decorative" val="1"/>
+              </a:ext>
+            </a:extLst>
+          </p:cNvPr>
+          <p:cNvSpPr>
+            <a:spLocks noGrp="1" noRot="1" noChangeAspect="1" noMove="1" noResize="1" noEditPoints="1" noAdjustHandles="1" noChangeArrowheads="1" noChangeShapeType="1" noTextEdit="1"/>
+          </p:cNvSpPr>
+          <p:nvPr>
+            <p:extLst>
+              <p:ext uri="{386F3935-93C4-4BCD-93E2-E3B085C9AB24}">
+                <p16:designElem xmlns:p16="http://schemas.microsoft.com/office/powerpoint/2015/main" val="1"/>
+              </p:ext>
+            </p:extLst>
+          </p:nvPr>
+        </p:nvSpPr>
+        <p:spPr>
+          <a:xfrm>
             <a:off x="0" y="0"/>
-            <a:ext cx="12192000" cy="6858000"/>
+            <a:ext cx="12188952" cy="6858000"/>
           </a:xfrm>
           <a:prstGeom prst="rect">
             <a:avLst/>
           </a:prstGeom>
           <a:solidFill>
-            <a:schemeClr val="tx1">
-              <a:lumMod val="65000"/>
-              <a:lumOff val="35000"/>
+            <a:schemeClr val="bg2">
+              <a:alpha val="50000"/>
             </a:schemeClr>
           </a:solidFill>
           <a:ln>
@@ -3420,25 +4369,25 @@
           <a:lstStyle/>
           <a:p>
             <a:pPr algn="ctr"/>
-            <a:endParaRPr lang="en-US"/>
-          </a:p>
-        </p:txBody>
-      </p:sp>
-      <p:sp>
-        <p:nvSpPr>
-          <p:cNvPr id="77" name="Rectangle 38">
-            <a:extLst>
-              <a:ext uri="{FF2B5EF4-FFF2-40B4-BE49-F238E27FC236}">
-                <a16:creationId xmlns:a16="http://schemas.microsoft.com/office/drawing/2014/main" id="{CB44330D-EA18-4254-AA95-EB49948539B8}"/>
+            <a:endParaRPr lang="en-US" dirty="0"/>
+          </a:p>
+        </p:txBody>
+      </p:sp>
+      <p:pic>
+        <p:nvPicPr>
+          <p:cNvPr id="102" name="Picture 101">
+            <a:extLst>
+              <a:ext uri="{FF2B5EF4-FFF2-40B4-BE49-F238E27FC236}">
+                <a16:creationId xmlns:a16="http://schemas.microsoft.com/office/drawing/2014/main" id="{5516C1EB-8D62-4BF0-92B5-02E6AE43B1F3}"/>
               </a:ext>
               <a:ext uri="{C183D7F6-B498-43B3-948B-1728B52AA6E4}">
                 <adec:decorative xmlns:adec="http://schemas.microsoft.com/office/drawing/2017/decorative" val="1"/>
               </a:ext>
             </a:extLst>
           </p:cNvPr>
-          <p:cNvSpPr>
-            <a:spLocks noGrp="1" noRot="1" noChangeAspect="1" noMove="1" noResize="1" noEditPoints="1" noAdjustHandles="1" noChangeArrowheads="1" noChangeShapeType="1" noTextEdit="1"/>
-          </p:cNvSpPr>
+          <p:cNvPicPr>
+            <a:picLocks noGrp="1" noRot="1" noChangeAspect="1" noMove="1" noResize="1" noEditPoints="1" noAdjustHandles="1" noChangeArrowheads="1" noChangeShapeType="1" noCrop="1"/>
+          </p:cNvPicPr>
           <p:nvPr>
             <p:extLst>
               <p:ext uri="{386F3935-93C4-4BCD-93E2-E3B085C9AB24}">
@@ -3446,17 +4395,64 @@
               </p:ext>
             </p:extLst>
           </p:nvPr>
-        </p:nvSpPr>
+        </p:nvPicPr>
+        <p:blipFill>
+          <a:blip r:embed="rId2">
+            <a:extLst>
+              <a:ext uri="{28A0092B-C50C-407E-A947-70E740481C1C}">
+                <a14:useLocalDpi xmlns:a14="http://schemas.microsoft.com/office/drawing/2010/main" val="0"/>
+              </a:ext>
+            </a:extLst>
+          </a:blip>
+          <a:stretch>
+            <a:fillRect/>
+          </a:stretch>
+        </p:blipFill>
         <p:spPr>
           <a:xfrm>
-            <a:off x="477012" y="480060"/>
-            <a:ext cx="11237976" cy="5897880"/>
+            <a:off x="0" y="0"/>
+            <a:ext cx="12188952" cy="6862380"/>
+          </a:xfrm>
+          <a:prstGeom prst="rect">
+            <a:avLst/>
+          </a:prstGeom>
+        </p:spPr>
+      </p:pic>
+      <p:sp>
+        <p:nvSpPr>
+          <p:cNvPr id="104" name="Rectangle 103">
+            <a:extLst>
+              <a:ext uri="{FF2B5EF4-FFF2-40B4-BE49-F238E27FC236}">
+                <a16:creationId xmlns:a16="http://schemas.microsoft.com/office/drawing/2014/main" id="{A737E5B8-8F31-4942-B159-B213C4D6D830}"/>
+              </a:ext>
+              <a:ext uri="{C183D7F6-B498-43B3-948B-1728B52AA6E4}">
+                <adec:decorative xmlns:adec="http://schemas.microsoft.com/office/drawing/2017/decorative" val="1"/>
+              </a:ext>
+            </a:extLst>
+          </p:cNvPr>
+          <p:cNvSpPr>
+            <a:spLocks noGrp="1" noRot="1" noChangeAspect="1" noMove="1" noResize="1" noEditPoints="1" noAdjustHandles="1" noChangeArrowheads="1" noChangeShapeType="1" noTextEdit="1"/>
+          </p:cNvSpPr>
+          <p:nvPr>
+            <p:extLst>
+              <p:ext uri="{386F3935-93C4-4BCD-93E2-E3B085C9AB24}">
+                <p16:designElem xmlns:p16="http://schemas.microsoft.com/office/powerpoint/2015/main" val="1"/>
+              </p:ext>
+            </p:extLst>
+          </p:nvPr>
+        </p:nvSpPr>
+        <p:spPr>
+          <a:xfrm>
+            <a:off x="0" y="0"/>
+            <a:ext cx="12188952" cy="6858000"/>
           </a:xfrm>
           <a:prstGeom prst="rect">
             <a:avLst/>
           </a:prstGeom>
           <a:solidFill>
-            <a:srgbClr val="FFFFFF"/>
+            <a:schemeClr val="accent1">
+              <a:alpha val="20000"/>
+            </a:schemeClr>
           </a:solidFill>
           <a:ln>
             <a:noFill/>
@@ -3483,113 +4479,277 @@
           <a:lstStyle/>
           <a:p>
             <a:pPr algn="ctr"/>
+            <a:endParaRPr lang="en-US" dirty="0"/>
+          </a:p>
+        </p:txBody>
+      </p:sp>
+      <p:sp>
+        <p:nvSpPr>
+          <p:cNvPr id="106" name="Rectangle 105">
+            <a:extLst>
+              <a:ext uri="{FF2B5EF4-FFF2-40B4-BE49-F238E27FC236}">
+                <a16:creationId xmlns:a16="http://schemas.microsoft.com/office/drawing/2014/main" id="{42A4FC2C-047E-45A5-965D-8E1E3BF09BC6}"/>
+              </a:ext>
+              <a:ext uri="{C183D7F6-B498-43B3-948B-1728B52AA6E4}">
+                <adec:decorative xmlns:adec="http://schemas.microsoft.com/office/drawing/2017/decorative" val="1"/>
+              </a:ext>
+            </a:extLst>
+          </p:cNvPr>
+          <p:cNvSpPr>
+            <a:spLocks noGrp="1" noRot="1" noChangeAspect="1" noMove="1" noResize="1" noEditPoints="1" noAdjustHandles="1" noChangeArrowheads="1" noChangeShapeType="1" noTextEdit="1"/>
+          </p:cNvSpPr>
+          <p:nvPr>
+            <p:extLst>
+              <p:ext uri="{386F3935-93C4-4BCD-93E2-E3B085C9AB24}">
+                <p16:designElem xmlns:p16="http://schemas.microsoft.com/office/powerpoint/2015/main" val="1"/>
+              </p:ext>
+            </p:extLst>
+          </p:nvPr>
+        </p:nvSpPr>
+        <p:spPr bwMode="white">
+          <a:xfrm>
+            <a:off x="1524" y="0"/>
+            <a:ext cx="12188952" cy="6858000"/>
+          </a:xfrm>
+          <a:prstGeom prst="rect">
+            <a:avLst/>
+          </a:prstGeom>
+          <a:noFill/>
+          <a:ln>
+            <a:noFill/>
+          </a:ln>
+        </p:spPr>
+        <p:style>
+          <a:lnRef idx="2">
+            <a:schemeClr val="accent1">
+              <a:shade val="50000"/>
+            </a:schemeClr>
+          </a:lnRef>
+          <a:fillRef idx="1">
+            <a:schemeClr val="accent1"/>
+          </a:fillRef>
+          <a:effectRef idx="0">
+            <a:schemeClr val="accent1"/>
+          </a:effectRef>
+          <a:fontRef idx="minor">
+            <a:schemeClr val="lt1"/>
+          </a:fontRef>
+        </p:style>
+        <p:txBody>
+          <a:bodyPr rtlCol="0" anchor="ctr"/>
+          <a:lstStyle>
+            <a:defPPr>
+              <a:defRPr lang="en-US"/>
+            </a:defPPr>
+            <a:lvl1pPr marL="0" algn="l" defTabSz="914400" rtl="0" eaLnBrk="1" latinLnBrk="0" hangingPunct="1">
+              <a:defRPr sz="1800" kern="1200">
+                <a:solidFill>
+                  <a:schemeClr val="lt1"/>
+                </a:solidFill>
+                <a:latin typeface="+mn-lt"/>
+                <a:ea typeface="+mn-ea"/>
+                <a:cs typeface="+mn-cs"/>
+              </a:defRPr>
+            </a:lvl1pPr>
+            <a:lvl2pPr marL="457200" algn="l" defTabSz="914400" rtl="0" eaLnBrk="1" latinLnBrk="0" hangingPunct="1">
+              <a:defRPr sz="1800" kern="1200">
+                <a:solidFill>
+                  <a:schemeClr val="lt1"/>
+                </a:solidFill>
+                <a:latin typeface="+mn-lt"/>
+                <a:ea typeface="+mn-ea"/>
+                <a:cs typeface="+mn-cs"/>
+              </a:defRPr>
+            </a:lvl2pPr>
+            <a:lvl3pPr marL="914400" algn="l" defTabSz="914400" rtl="0" eaLnBrk="1" latinLnBrk="0" hangingPunct="1">
+              <a:defRPr sz="1800" kern="1200">
+                <a:solidFill>
+                  <a:schemeClr val="lt1"/>
+                </a:solidFill>
+                <a:latin typeface="+mn-lt"/>
+                <a:ea typeface="+mn-ea"/>
+                <a:cs typeface="+mn-cs"/>
+              </a:defRPr>
+            </a:lvl3pPr>
+            <a:lvl4pPr marL="1371600" algn="l" defTabSz="914400" rtl="0" eaLnBrk="1" latinLnBrk="0" hangingPunct="1">
+              <a:defRPr sz="1800" kern="1200">
+                <a:solidFill>
+                  <a:schemeClr val="lt1"/>
+                </a:solidFill>
+                <a:latin typeface="+mn-lt"/>
+                <a:ea typeface="+mn-ea"/>
+                <a:cs typeface="+mn-cs"/>
+              </a:defRPr>
+            </a:lvl4pPr>
+            <a:lvl5pPr marL="1828800" algn="l" defTabSz="914400" rtl="0" eaLnBrk="1" latinLnBrk="0" hangingPunct="1">
+              <a:defRPr sz="1800" kern="1200">
+                <a:solidFill>
+                  <a:schemeClr val="lt1"/>
+                </a:solidFill>
+                <a:latin typeface="+mn-lt"/>
+                <a:ea typeface="+mn-ea"/>
+                <a:cs typeface="+mn-cs"/>
+              </a:defRPr>
+            </a:lvl5pPr>
+            <a:lvl6pPr marL="2286000" algn="l" defTabSz="914400" rtl="0" eaLnBrk="1" latinLnBrk="0" hangingPunct="1">
+              <a:defRPr sz="1800" kern="1200">
+                <a:solidFill>
+                  <a:schemeClr val="lt1"/>
+                </a:solidFill>
+                <a:latin typeface="+mn-lt"/>
+                <a:ea typeface="+mn-ea"/>
+                <a:cs typeface="+mn-cs"/>
+              </a:defRPr>
+            </a:lvl6pPr>
+            <a:lvl7pPr marL="2743200" algn="l" defTabSz="914400" rtl="0" eaLnBrk="1" latinLnBrk="0" hangingPunct="1">
+              <a:defRPr sz="1800" kern="1200">
+                <a:solidFill>
+                  <a:schemeClr val="lt1"/>
+                </a:solidFill>
+                <a:latin typeface="+mn-lt"/>
+                <a:ea typeface="+mn-ea"/>
+                <a:cs typeface="+mn-cs"/>
+              </a:defRPr>
+            </a:lvl7pPr>
+            <a:lvl8pPr marL="3200400" algn="l" defTabSz="914400" rtl="0" eaLnBrk="1" latinLnBrk="0" hangingPunct="1">
+              <a:defRPr sz="1800" kern="1200">
+                <a:solidFill>
+                  <a:schemeClr val="lt1"/>
+                </a:solidFill>
+                <a:latin typeface="+mn-lt"/>
+                <a:ea typeface="+mn-ea"/>
+                <a:cs typeface="+mn-cs"/>
+              </a:defRPr>
+            </a:lvl8pPr>
+            <a:lvl9pPr marL="3657600" algn="l" defTabSz="914400" rtl="0" eaLnBrk="1" latinLnBrk="0" hangingPunct="1">
+              <a:defRPr sz="1800" kern="1200">
+                <a:solidFill>
+                  <a:schemeClr val="lt1"/>
+                </a:solidFill>
+                <a:latin typeface="+mn-lt"/>
+                <a:ea typeface="+mn-ea"/>
+                <a:cs typeface="+mn-cs"/>
+              </a:defRPr>
+            </a:lvl9pPr>
+          </a:lstStyle>
+          <a:p>
+            <a:pPr algn="ctr"/>
             <a:endParaRPr lang="en-US"/>
+          </a:p>
+        </p:txBody>
+      </p:sp>
+      <p:sp>
+        <p:nvSpPr>
+          <p:cNvPr id="108" name="Rectangle 107">
+            <a:extLst>
+              <a:ext uri="{FF2B5EF4-FFF2-40B4-BE49-F238E27FC236}">
+                <a16:creationId xmlns:a16="http://schemas.microsoft.com/office/drawing/2014/main" id="{78F530DA-C7D1-4968-8F8A-8700C2BB2A49}"/>
+              </a:ext>
+              <a:ext uri="{C183D7F6-B498-43B3-948B-1728B52AA6E4}">
+                <adec:decorative xmlns:adec="http://schemas.microsoft.com/office/drawing/2017/decorative" val="1"/>
+              </a:ext>
+            </a:extLst>
+          </p:cNvPr>
+          <p:cNvSpPr>
+            <a:spLocks noGrp="1" noRot="1" noChangeAspect="1" noMove="1" noResize="1" noEditPoints="1" noAdjustHandles="1" noChangeArrowheads="1" noChangeShapeType="1" noTextEdit="1"/>
+          </p:cNvSpPr>
+          <p:nvPr>
+            <p:extLst>
+              <p:ext uri="{386F3935-93C4-4BCD-93E2-E3B085C9AB24}">
+                <p16:designElem xmlns:p16="http://schemas.microsoft.com/office/powerpoint/2015/main" val="1"/>
+              </p:ext>
+            </p:extLst>
+          </p:nvPr>
+        </p:nvSpPr>
+        <p:spPr>
+          <a:xfrm>
+            <a:off x="538542" y="552813"/>
+            <a:ext cx="11099352" cy="5905972"/>
+          </a:xfrm>
+          <a:prstGeom prst="rect">
+            <a:avLst/>
+          </a:prstGeom>
+          <a:solidFill>
+            <a:schemeClr val="bg1"/>
+          </a:solidFill>
+          <a:ln w="34925">
+            <a:noFill/>
+          </a:ln>
+        </p:spPr>
+        <p:style>
+          <a:lnRef idx="2">
+            <a:schemeClr val="accent1">
+              <a:shade val="50000"/>
+            </a:schemeClr>
+          </a:lnRef>
+          <a:fillRef idx="1">
+            <a:schemeClr val="accent1"/>
+          </a:fillRef>
+          <a:effectRef idx="0">
+            <a:schemeClr val="accent1"/>
+          </a:effectRef>
+          <a:fontRef idx="minor">
+            <a:schemeClr val="lt1"/>
+          </a:fontRef>
+        </p:style>
+        <p:txBody>
+          <a:bodyPr rtlCol="0" anchor="ctr"/>
+          <a:lstStyle/>
+          <a:p>
+            <a:pPr algn="ctr"/>
+            <a:endParaRPr lang="en-US" b="1">
+              <a:ln w="22225">
+                <a:solidFill>
+                  <a:schemeClr val="accent2"/>
+                </a:solidFill>
+                <a:prstDash val="solid"/>
+              </a:ln>
+              <a:solidFill>
+                <a:schemeClr val="accent2">
+                  <a:lumMod val="40000"/>
+                  <a:lumOff val="60000"/>
+                </a:schemeClr>
+              </a:solidFill>
+            </a:endParaRPr>
           </a:p>
         </p:txBody>
       </p:sp>
       <p:pic>
         <p:nvPicPr>
-          <p:cNvPr id="2" name="Content Placeholder 1">
-            <a:extLst>
-              <a:ext uri="{FF2B5EF4-FFF2-40B4-BE49-F238E27FC236}">
-                <a16:creationId xmlns:a16="http://schemas.microsoft.com/office/drawing/2014/main" id="{BA0242E9-9824-18E5-7C6E-8C5519DF78CB}"/>
+          <p:cNvPr id="42" name="Picture 41" descr="Chart&#10;&#10;Description automatically generated">
+            <a:extLst>
+              <a:ext uri="{FF2B5EF4-FFF2-40B4-BE49-F238E27FC236}">
+                <a16:creationId xmlns:a16="http://schemas.microsoft.com/office/drawing/2014/main" id="{50FE812A-7A59-BA17-FE10-805271C2DE91}"/>
               </a:ext>
             </a:extLst>
           </p:cNvPr>
           <p:cNvPicPr>
-            <a:picLocks noGrp="1" noChangeAspect="1"/>
+            <a:picLocks noChangeAspect="1"/>
           </p:cNvPicPr>
-          <p:nvPr>
-            <p:ph idx="1"/>
-          </p:nvPr>
+          <p:nvPr/>
         </p:nvPicPr>
-        <p:blipFill rotWithShape="1">
-          <a:blip r:embed="rId2"/>
-          <a:srcRect r="11096" b="1"/>
-          <a:stretch/>
+        <p:blipFill>
+          <a:blip r:embed="rId3">
+            <a:extLst>
+              <a:ext uri="{28A0092B-C50C-407E-A947-70E740481C1C}">
+                <a14:useLocalDpi xmlns:a14="http://schemas.microsoft.com/office/drawing/2010/main" val="0"/>
+              </a:ext>
+            </a:extLst>
+          </a:blip>
+          <a:stretch>
+            <a:fillRect/>
+          </a:stretch>
         </p:blipFill>
         <p:spPr>
           <a:xfrm>
-            <a:off x="1143048" y="643467"/>
-            <a:ext cx="9905903" cy="5571066"/>
+            <a:off x="554106" y="685793"/>
+            <a:ext cx="10997814" cy="5498907"/>
           </a:xfrm>
           <a:prstGeom prst="rect">
             <a:avLst/>
           </a:prstGeom>
         </p:spPr>
       </p:pic>
-      <p:sp>
-        <p:nvSpPr>
-          <p:cNvPr id="30" name="Footer Placeholder 1">
-            <a:extLst>
-              <a:ext uri="{FF2B5EF4-FFF2-40B4-BE49-F238E27FC236}">
-                <a16:creationId xmlns:a16="http://schemas.microsoft.com/office/drawing/2014/main" id="{D28FBB11-2DF4-E34C-6394-312F1A48AAF4}"/>
-              </a:ext>
-            </a:extLst>
-          </p:cNvPr>
-          <p:cNvSpPr>
-            <a:spLocks noGrp="1"/>
-          </p:cNvSpPr>
-          <p:nvPr>
-            <p:ph type="ftr" sz="quarter" idx="11"/>
-          </p:nvPr>
-        </p:nvSpPr>
-        <p:spPr>
-          <a:xfrm>
-            <a:off x="4038600" y="6356350"/>
-            <a:ext cx="4114800" cy="365125"/>
-          </a:xfrm>
-        </p:spPr>
-        <p:txBody>
-          <a:bodyPr vert="horz" lIns="91440" tIns="45720" rIns="91440" bIns="45720" rtlCol="0" anchor="ctr">
-            <a:normAutofit/>
-          </a:bodyPr>
-          <a:lstStyle/>
-          <a:p>
-            <a:pPr>
-              <a:lnSpc>
-                <a:spcPct val="90000"/>
-              </a:lnSpc>
-              <a:spcAft>
-                <a:spcPts val="600"/>
-              </a:spcAft>
-            </a:pPr>
-            <a:r>
-              <a:rPr lang="en-US" sz="600" kern="1200">
-                <a:solidFill>
-                  <a:srgbClr val="FFFFFF"/>
-                </a:solidFill>
-                <a:latin typeface="+mn-lt"/>
-                <a:ea typeface="+mn-ea"/>
-                <a:cs typeface="+mn-cs"/>
-              </a:rPr>
-              <a:t>Source: William F. Sharpe, </a:t>
-            </a:r>
-            <a:r>
-              <a:rPr lang="en-US" sz="600" i="1" kern="1200">
-                <a:solidFill>
-                  <a:srgbClr val="FFFFFF"/>
-                </a:solidFill>
-                <a:latin typeface="+mn-lt"/>
-                <a:ea typeface="+mn-ea"/>
-                <a:cs typeface="+mn-cs"/>
-              </a:rPr>
-              <a:t>“The Arithmetic of Active Management”</a:t>
-            </a:r>
-            <a:r>
-              <a:rPr lang="en-US" sz="600" kern="1200">
-                <a:solidFill>
-                  <a:srgbClr val="FFFFFF"/>
-                </a:solidFill>
-                <a:latin typeface="+mn-lt"/>
-                <a:ea typeface="+mn-ea"/>
-                <a:cs typeface="+mn-cs"/>
-              </a:rPr>
-              <a:t>, The Financial Analysts Journal Vol. 47, No. 1, January/February 1991, pp. 7-9.  Vanguard Canada, 2019: Does active management perform better in bear markets?</a:t>
-            </a:r>
-          </a:p>
-        </p:txBody>
-      </p:sp>
     </p:spTree>
     <p:extLst>
       <p:ext uri="{BB962C8B-B14F-4D97-AF65-F5344CB8AC3E}">
@@ -3628,12 +4788,12 @@
           <a:chExt cx="0" cy="0"/>
         </a:xfrm>
       </p:grpSpPr>
-      <p:sp>
-        <p:nvSpPr>
-          <p:cNvPr id="14" name="Rectangle 13">
-            <a:extLst>
-              <a:ext uri="{FF2B5EF4-FFF2-40B4-BE49-F238E27FC236}">
-                <a16:creationId xmlns:a16="http://schemas.microsoft.com/office/drawing/2014/main" id="{32BC26D8-82FB-445E-AA49-62A77D7C1EE0}"/>
+      <p:sp useBgFill="1">
+        <p:nvSpPr>
+          <p:cNvPr id="110" name="Rectangle 109">
+            <a:extLst>
+              <a:ext uri="{FF2B5EF4-FFF2-40B4-BE49-F238E27FC236}">
+                <a16:creationId xmlns:a16="http://schemas.microsoft.com/office/drawing/2014/main" id="{A93898FF-D987-4B0E-BFB4-85F5EB356D4D}"/>
               </a:ext>
               <a:ext uri="{C183D7F6-B498-43B3-948B-1728B52AA6E4}">
                 <adec:decorative xmlns:adec="http://schemas.microsoft.com/office/drawing/2017/decorative" val="1"/>
@@ -3653,16 +4813,75 @@
         </p:nvSpPr>
         <p:spPr>
           <a:xfrm>
+            <a:off x="0" y="-1"/>
+            <a:ext cx="12188952" cy="6858000"/>
+          </a:xfrm>
+          <a:prstGeom prst="rect">
+            <a:avLst/>
+          </a:prstGeom>
+          <a:ln>
+            <a:noFill/>
+          </a:ln>
+        </p:spPr>
+        <p:style>
+          <a:lnRef idx="2">
+            <a:schemeClr val="accent1">
+              <a:shade val="50000"/>
+            </a:schemeClr>
+          </a:lnRef>
+          <a:fillRef idx="1">
+            <a:schemeClr val="accent1"/>
+          </a:fillRef>
+          <a:effectRef idx="0">
+            <a:schemeClr val="accent1"/>
+          </a:effectRef>
+          <a:fontRef idx="minor">
+            <a:schemeClr val="lt1"/>
+          </a:fontRef>
+        </p:style>
+        <p:txBody>
+          <a:bodyPr rtlCol="0" anchor="ctr"/>
+          <a:lstStyle/>
+          <a:p>
+            <a:pPr algn="ctr"/>
+            <a:endParaRPr lang="en-US"/>
+          </a:p>
+        </p:txBody>
+      </p:sp>
+      <p:sp>
+        <p:nvSpPr>
+          <p:cNvPr id="112" name="Rectangle 111">
+            <a:extLst>
+              <a:ext uri="{FF2B5EF4-FFF2-40B4-BE49-F238E27FC236}">
+                <a16:creationId xmlns:a16="http://schemas.microsoft.com/office/drawing/2014/main" id="{8654E6D0-A14C-40BE-8E45-0815172668EC}"/>
+              </a:ext>
+              <a:ext uri="{C183D7F6-B498-43B3-948B-1728B52AA6E4}">
+                <adec:decorative xmlns:adec="http://schemas.microsoft.com/office/drawing/2017/decorative" val="1"/>
+              </a:ext>
+            </a:extLst>
+          </p:cNvPr>
+          <p:cNvSpPr>
+            <a:spLocks noGrp="1" noRot="1" noChangeAspect="1" noMove="1" noResize="1" noEditPoints="1" noAdjustHandles="1" noChangeArrowheads="1" noChangeShapeType="1" noTextEdit="1"/>
+          </p:cNvSpPr>
+          <p:nvPr>
+            <p:extLst>
+              <p:ext uri="{386F3935-93C4-4BCD-93E2-E3B085C9AB24}">
+                <p16:designElem xmlns:p16="http://schemas.microsoft.com/office/powerpoint/2015/main" val="1"/>
+              </p:ext>
+            </p:extLst>
+          </p:nvPr>
+        </p:nvSpPr>
+        <p:spPr>
+          <a:xfrm>
             <a:off x="0" y="0"/>
-            <a:ext cx="12192000" cy="6858000"/>
+            <a:ext cx="12188952" cy="6858000"/>
           </a:xfrm>
           <a:prstGeom prst="rect">
             <a:avLst/>
           </a:prstGeom>
           <a:solidFill>
-            <a:schemeClr val="tx1">
-              <a:lumMod val="65000"/>
-              <a:lumOff val="35000"/>
+            <a:schemeClr val="bg2">
+              <a:alpha val="50000"/>
             </a:schemeClr>
           </a:solidFill>
           <a:ln>
@@ -3690,25 +4909,25 @@
           <a:lstStyle/>
           <a:p>
             <a:pPr algn="ctr"/>
-            <a:endParaRPr lang="en-US"/>
-          </a:p>
-        </p:txBody>
-      </p:sp>
-      <p:sp>
-        <p:nvSpPr>
-          <p:cNvPr id="16" name="Rectangle 15">
-            <a:extLst>
-              <a:ext uri="{FF2B5EF4-FFF2-40B4-BE49-F238E27FC236}">
-                <a16:creationId xmlns:a16="http://schemas.microsoft.com/office/drawing/2014/main" id="{CB44330D-EA18-4254-AA95-EB49948539B8}"/>
+            <a:endParaRPr lang="en-US" dirty="0"/>
+          </a:p>
+        </p:txBody>
+      </p:sp>
+      <p:pic>
+        <p:nvPicPr>
+          <p:cNvPr id="114" name="Picture 113">
+            <a:extLst>
+              <a:ext uri="{FF2B5EF4-FFF2-40B4-BE49-F238E27FC236}">
+                <a16:creationId xmlns:a16="http://schemas.microsoft.com/office/drawing/2014/main" id="{5516C1EB-8D62-4BF0-92B5-02E6AE43B1F3}"/>
               </a:ext>
               <a:ext uri="{C183D7F6-B498-43B3-948B-1728B52AA6E4}">
                 <adec:decorative xmlns:adec="http://schemas.microsoft.com/office/drawing/2017/decorative" val="1"/>
               </a:ext>
             </a:extLst>
           </p:cNvPr>
-          <p:cNvSpPr>
-            <a:spLocks noGrp="1" noRot="1" noChangeAspect="1" noMove="1" noResize="1" noEditPoints="1" noAdjustHandles="1" noChangeArrowheads="1" noChangeShapeType="1" noTextEdit="1"/>
-          </p:cNvSpPr>
+          <p:cNvPicPr>
+            <a:picLocks noGrp="1" noRot="1" noChangeAspect="1" noMove="1" noResize="1" noEditPoints="1" noAdjustHandles="1" noChangeArrowheads="1" noChangeShapeType="1" noCrop="1"/>
+          </p:cNvPicPr>
           <p:nvPr>
             <p:extLst>
               <p:ext uri="{386F3935-93C4-4BCD-93E2-E3B085C9AB24}">
@@ -3716,17 +4935,64 @@
               </p:ext>
             </p:extLst>
           </p:nvPr>
-        </p:nvSpPr>
+        </p:nvPicPr>
+        <p:blipFill>
+          <a:blip r:embed="rId2">
+            <a:extLst>
+              <a:ext uri="{28A0092B-C50C-407E-A947-70E740481C1C}">
+                <a14:useLocalDpi xmlns:a14="http://schemas.microsoft.com/office/drawing/2010/main" val="0"/>
+              </a:ext>
+            </a:extLst>
+          </a:blip>
+          <a:stretch>
+            <a:fillRect/>
+          </a:stretch>
+        </p:blipFill>
         <p:spPr>
           <a:xfrm>
-            <a:off x="477012" y="480060"/>
-            <a:ext cx="11237976" cy="5897880"/>
+            <a:off x="0" y="0"/>
+            <a:ext cx="12188952" cy="6862380"/>
+          </a:xfrm>
+          <a:prstGeom prst="rect">
+            <a:avLst/>
+          </a:prstGeom>
+        </p:spPr>
+      </p:pic>
+      <p:sp>
+        <p:nvSpPr>
+          <p:cNvPr id="116" name="Rectangle 115">
+            <a:extLst>
+              <a:ext uri="{FF2B5EF4-FFF2-40B4-BE49-F238E27FC236}">
+                <a16:creationId xmlns:a16="http://schemas.microsoft.com/office/drawing/2014/main" id="{A737E5B8-8F31-4942-B159-B213C4D6D830}"/>
+              </a:ext>
+              <a:ext uri="{C183D7F6-B498-43B3-948B-1728B52AA6E4}">
+                <adec:decorative xmlns:adec="http://schemas.microsoft.com/office/drawing/2017/decorative" val="1"/>
+              </a:ext>
+            </a:extLst>
+          </p:cNvPr>
+          <p:cNvSpPr>
+            <a:spLocks noGrp="1" noRot="1" noChangeAspect="1" noMove="1" noResize="1" noEditPoints="1" noAdjustHandles="1" noChangeArrowheads="1" noChangeShapeType="1" noTextEdit="1"/>
+          </p:cNvSpPr>
+          <p:nvPr>
+            <p:extLst>
+              <p:ext uri="{386F3935-93C4-4BCD-93E2-E3B085C9AB24}">
+                <p16:designElem xmlns:p16="http://schemas.microsoft.com/office/powerpoint/2015/main" val="1"/>
+              </p:ext>
+            </p:extLst>
+          </p:nvPr>
+        </p:nvSpPr>
+        <p:spPr>
+          <a:xfrm>
+            <a:off x="0" y="0"/>
+            <a:ext cx="12188952" cy="6858000"/>
           </a:xfrm>
           <a:prstGeom prst="rect">
             <a:avLst/>
           </a:prstGeom>
           <a:solidFill>
-            <a:srgbClr val="FFFFFF"/>
+            <a:schemeClr val="accent1">
+              <a:alpha val="20000"/>
+            </a:schemeClr>
           </a:solidFill>
           <a:ln>
             <a:noFill/>
@@ -3753,16 +5019,247 @@
           <a:lstStyle/>
           <a:p>
             <a:pPr algn="ctr"/>
+            <a:endParaRPr lang="en-US" dirty="0"/>
+          </a:p>
+        </p:txBody>
+      </p:sp>
+      <p:sp>
+        <p:nvSpPr>
+          <p:cNvPr id="118" name="Rectangle 117">
+            <a:extLst>
+              <a:ext uri="{FF2B5EF4-FFF2-40B4-BE49-F238E27FC236}">
+                <a16:creationId xmlns:a16="http://schemas.microsoft.com/office/drawing/2014/main" id="{42A4FC2C-047E-45A5-965D-8E1E3BF09BC6}"/>
+              </a:ext>
+              <a:ext uri="{C183D7F6-B498-43B3-948B-1728B52AA6E4}">
+                <adec:decorative xmlns:adec="http://schemas.microsoft.com/office/drawing/2017/decorative" val="1"/>
+              </a:ext>
+            </a:extLst>
+          </p:cNvPr>
+          <p:cNvSpPr>
+            <a:spLocks noGrp="1" noRot="1" noChangeAspect="1" noMove="1" noResize="1" noEditPoints="1" noAdjustHandles="1" noChangeArrowheads="1" noChangeShapeType="1" noTextEdit="1"/>
+          </p:cNvSpPr>
+          <p:nvPr>
+            <p:extLst>
+              <p:ext uri="{386F3935-93C4-4BCD-93E2-E3B085C9AB24}">
+                <p16:designElem xmlns:p16="http://schemas.microsoft.com/office/powerpoint/2015/main" val="1"/>
+              </p:ext>
+            </p:extLst>
+          </p:nvPr>
+        </p:nvSpPr>
+        <p:spPr bwMode="white">
+          <a:xfrm>
+            <a:off x="1524" y="0"/>
+            <a:ext cx="12188952" cy="6858000"/>
+          </a:xfrm>
+          <a:prstGeom prst="rect">
+            <a:avLst/>
+          </a:prstGeom>
+          <a:noFill/>
+          <a:ln>
+            <a:noFill/>
+          </a:ln>
+        </p:spPr>
+        <p:style>
+          <a:lnRef idx="2">
+            <a:schemeClr val="accent1">
+              <a:shade val="50000"/>
+            </a:schemeClr>
+          </a:lnRef>
+          <a:fillRef idx="1">
+            <a:schemeClr val="accent1"/>
+          </a:fillRef>
+          <a:effectRef idx="0">
+            <a:schemeClr val="accent1"/>
+          </a:effectRef>
+          <a:fontRef idx="minor">
+            <a:schemeClr val="lt1"/>
+          </a:fontRef>
+        </p:style>
+        <p:txBody>
+          <a:bodyPr rtlCol="0" anchor="ctr"/>
+          <a:lstStyle>
+            <a:defPPr>
+              <a:defRPr lang="en-US"/>
+            </a:defPPr>
+            <a:lvl1pPr marL="0" algn="l" defTabSz="914400" rtl="0" eaLnBrk="1" latinLnBrk="0" hangingPunct="1">
+              <a:defRPr sz="1800" kern="1200">
+                <a:solidFill>
+                  <a:schemeClr val="lt1"/>
+                </a:solidFill>
+                <a:latin typeface="+mn-lt"/>
+                <a:ea typeface="+mn-ea"/>
+                <a:cs typeface="+mn-cs"/>
+              </a:defRPr>
+            </a:lvl1pPr>
+            <a:lvl2pPr marL="457200" algn="l" defTabSz="914400" rtl="0" eaLnBrk="1" latinLnBrk="0" hangingPunct="1">
+              <a:defRPr sz="1800" kern="1200">
+                <a:solidFill>
+                  <a:schemeClr val="lt1"/>
+                </a:solidFill>
+                <a:latin typeface="+mn-lt"/>
+                <a:ea typeface="+mn-ea"/>
+                <a:cs typeface="+mn-cs"/>
+              </a:defRPr>
+            </a:lvl2pPr>
+            <a:lvl3pPr marL="914400" algn="l" defTabSz="914400" rtl="0" eaLnBrk="1" latinLnBrk="0" hangingPunct="1">
+              <a:defRPr sz="1800" kern="1200">
+                <a:solidFill>
+                  <a:schemeClr val="lt1"/>
+                </a:solidFill>
+                <a:latin typeface="+mn-lt"/>
+                <a:ea typeface="+mn-ea"/>
+                <a:cs typeface="+mn-cs"/>
+              </a:defRPr>
+            </a:lvl3pPr>
+            <a:lvl4pPr marL="1371600" algn="l" defTabSz="914400" rtl="0" eaLnBrk="1" latinLnBrk="0" hangingPunct="1">
+              <a:defRPr sz="1800" kern="1200">
+                <a:solidFill>
+                  <a:schemeClr val="lt1"/>
+                </a:solidFill>
+                <a:latin typeface="+mn-lt"/>
+                <a:ea typeface="+mn-ea"/>
+                <a:cs typeface="+mn-cs"/>
+              </a:defRPr>
+            </a:lvl4pPr>
+            <a:lvl5pPr marL="1828800" algn="l" defTabSz="914400" rtl="0" eaLnBrk="1" latinLnBrk="0" hangingPunct="1">
+              <a:defRPr sz="1800" kern="1200">
+                <a:solidFill>
+                  <a:schemeClr val="lt1"/>
+                </a:solidFill>
+                <a:latin typeface="+mn-lt"/>
+                <a:ea typeface="+mn-ea"/>
+                <a:cs typeface="+mn-cs"/>
+              </a:defRPr>
+            </a:lvl5pPr>
+            <a:lvl6pPr marL="2286000" algn="l" defTabSz="914400" rtl="0" eaLnBrk="1" latinLnBrk="0" hangingPunct="1">
+              <a:defRPr sz="1800" kern="1200">
+                <a:solidFill>
+                  <a:schemeClr val="lt1"/>
+                </a:solidFill>
+                <a:latin typeface="+mn-lt"/>
+                <a:ea typeface="+mn-ea"/>
+                <a:cs typeface="+mn-cs"/>
+              </a:defRPr>
+            </a:lvl6pPr>
+            <a:lvl7pPr marL="2743200" algn="l" defTabSz="914400" rtl="0" eaLnBrk="1" latinLnBrk="0" hangingPunct="1">
+              <a:defRPr sz="1800" kern="1200">
+                <a:solidFill>
+                  <a:schemeClr val="lt1"/>
+                </a:solidFill>
+                <a:latin typeface="+mn-lt"/>
+                <a:ea typeface="+mn-ea"/>
+                <a:cs typeface="+mn-cs"/>
+              </a:defRPr>
+            </a:lvl7pPr>
+            <a:lvl8pPr marL="3200400" algn="l" defTabSz="914400" rtl="0" eaLnBrk="1" latinLnBrk="0" hangingPunct="1">
+              <a:defRPr sz="1800" kern="1200">
+                <a:solidFill>
+                  <a:schemeClr val="lt1"/>
+                </a:solidFill>
+                <a:latin typeface="+mn-lt"/>
+                <a:ea typeface="+mn-ea"/>
+                <a:cs typeface="+mn-cs"/>
+              </a:defRPr>
+            </a:lvl8pPr>
+            <a:lvl9pPr marL="3657600" algn="l" defTabSz="914400" rtl="0" eaLnBrk="1" latinLnBrk="0" hangingPunct="1">
+              <a:defRPr sz="1800" kern="1200">
+                <a:solidFill>
+                  <a:schemeClr val="lt1"/>
+                </a:solidFill>
+                <a:latin typeface="+mn-lt"/>
+                <a:ea typeface="+mn-ea"/>
+                <a:cs typeface="+mn-cs"/>
+              </a:defRPr>
+            </a:lvl9pPr>
+          </a:lstStyle>
+          <a:p>
+            <a:pPr algn="ctr"/>
             <a:endParaRPr lang="en-US"/>
+          </a:p>
+        </p:txBody>
+      </p:sp>
+      <p:sp>
+        <p:nvSpPr>
+          <p:cNvPr id="120" name="Rectangle 119">
+            <a:extLst>
+              <a:ext uri="{FF2B5EF4-FFF2-40B4-BE49-F238E27FC236}">
+                <a16:creationId xmlns:a16="http://schemas.microsoft.com/office/drawing/2014/main" id="{78F530DA-C7D1-4968-8F8A-8700C2BB2A49}"/>
+              </a:ext>
+              <a:ext uri="{C183D7F6-B498-43B3-948B-1728B52AA6E4}">
+                <adec:decorative xmlns:adec="http://schemas.microsoft.com/office/drawing/2017/decorative" val="1"/>
+              </a:ext>
+            </a:extLst>
+          </p:cNvPr>
+          <p:cNvSpPr>
+            <a:spLocks noGrp="1" noRot="1" noChangeAspect="1" noMove="1" noResize="1" noEditPoints="1" noAdjustHandles="1" noChangeArrowheads="1" noChangeShapeType="1" noTextEdit="1"/>
+          </p:cNvSpPr>
+          <p:nvPr>
+            <p:extLst>
+              <p:ext uri="{386F3935-93C4-4BCD-93E2-E3B085C9AB24}">
+                <p16:designElem xmlns:p16="http://schemas.microsoft.com/office/powerpoint/2015/main" val="1"/>
+              </p:ext>
+            </p:extLst>
+          </p:nvPr>
+        </p:nvSpPr>
+        <p:spPr>
+          <a:xfrm>
+            <a:off x="538542" y="552813"/>
+            <a:ext cx="11099352" cy="5905972"/>
+          </a:xfrm>
+          <a:prstGeom prst="rect">
+            <a:avLst/>
+          </a:prstGeom>
+          <a:solidFill>
+            <a:schemeClr val="bg1"/>
+          </a:solidFill>
+          <a:ln w="34925">
+            <a:noFill/>
+          </a:ln>
+        </p:spPr>
+        <p:style>
+          <a:lnRef idx="2">
+            <a:schemeClr val="accent1">
+              <a:shade val="50000"/>
+            </a:schemeClr>
+          </a:lnRef>
+          <a:fillRef idx="1">
+            <a:schemeClr val="accent1"/>
+          </a:fillRef>
+          <a:effectRef idx="0">
+            <a:schemeClr val="accent1"/>
+          </a:effectRef>
+          <a:fontRef idx="minor">
+            <a:schemeClr val="lt1"/>
+          </a:fontRef>
+        </p:style>
+        <p:txBody>
+          <a:bodyPr rtlCol="0" anchor="ctr"/>
+          <a:lstStyle/>
+          <a:p>
+            <a:pPr algn="ctr"/>
+            <a:endParaRPr lang="en-US" b="1">
+              <a:ln w="22225">
+                <a:solidFill>
+                  <a:schemeClr val="accent2"/>
+                </a:solidFill>
+                <a:prstDash val="solid"/>
+              </a:ln>
+              <a:solidFill>
+                <a:schemeClr val="accent2">
+                  <a:lumMod val="40000"/>
+                  <a:lumOff val="60000"/>
+                </a:schemeClr>
+              </a:solidFill>
+            </a:endParaRPr>
           </a:p>
         </p:txBody>
       </p:sp>
       <p:pic>
         <p:nvPicPr>
-          <p:cNvPr id="4" name="Content Placeholder 3">
-            <a:extLst>
-              <a:ext uri="{FF2B5EF4-FFF2-40B4-BE49-F238E27FC236}">
-                <a16:creationId xmlns:a16="http://schemas.microsoft.com/office/drawing/2014/main" id="{8CE5EA98-88C7-ED41-9A0D-CC15733DF064}"/>
+          <p:cNvPr id="76" name="Content Placeholder 75" descr="Chart, histogram&#10;&#10;Description automatically generated">
+            <a:extLst>
+              <a:ext uri="{FF2B5EF4-FFF2-40B4-BE49-F238E27FC236}">
+                <a16:creationId xmlns:a16="http://schemas.microsoft.com/office/drawing/2014/main" id="{3740F7F8-8D94-71E4-025E-1B73B089FBAE}"/>
               </a:ext>
             </a:extLst>
           </p:cNvPr>
@@ -3774,14 +5271,20 @@
           </p:nvPr>
         </p:nvPicPr>
         <p:blipFill rotWithShape="1">
-          <a:blip r:embed="rId2"/>
-          <a:srcRect l="228" r="10867" b="1"/>
+          <a:blip r:embed="rId3">
+            <a:extLst>
+              <a:ext uri="{28A0092B-C50C-407E-A947-70E740481C1C}">
+                <a14:useLocalDpi xmlns:a14="http://schemas.microsoft.com/office/drawing/2010/main" val="0"/>
+              </a:ext>
+            </a:extLst>
+          </a:blip>
+          <a:srcRect r="3274" b="-8"/>
           <a:stretch/>
         </p:blipFill>
         <p:spPr>
           <a:xfrm>
-            <a:off x="1142992" y="643467"/>
-            <a:ext cx="9906015" cy="5571066"/>
+            <a:off x="554105" y="749387"/>
+            <a:ext cx="10795829" cy="5581104"/>
           </a:xfrm>
           <a:prstGeom prst="rect">
             <a:avLst/>
@@ -3826,12 +5329,12 @@
           <a:chExt cx="0" cy="0"/>
         </a:xfrm>
       </p:grpSpPr>
-      <p:sp>
-        <p:nvSpPr>
-          <p:cNvPr id="9" name="Rectangle 8">
-            <a:extLst>
-              <a:ext uri="{FF2B5EF4-FFF2-40B4-BE49-F238E27FC236}">
-                <a16:creationId xmlns:a16="http://schemas.microsoft.com/office/drawing/2014/main" id="{32BC26D8-82FB-445E-AA49-62A77D7C1EE0}"/>
+      <p:sp useBgFill="1">
+        <p:nvSpPr>
+          <p:cNvPr id="31" name="Rectangle 30">
+            <a:extLst>
+              <a:ext uri="{FF2B5EF4-FFF2-40B4-BE49-F238E27FC236}">
+                <a16:creationId xmlns:a16="http://schemas.microsoft.com/office/drawing/2014/main" id="{A93898FF-D987-4B0E-BFB4-85F5EB356D4D}"/>
               </a:ext>
               <a:ext uri="{C183D7F6-B498-43B3-948B-1728B52AA6E4}">
                 <adec:decorative xmlns:adec="http://schemas.microsoft.com/office/drawing/2017/decorative" val="1"/>
@@ -3851,16 +5354,75 @@
         </p:nvSpPr>
         <p:spPr>
           <a:xfrm>
+            <a:off x="0" y="-1"/>
+            <a:ext cx="12188952" cy="6858000"/>
+          </a:xfrm>
+          <a:prstGeom prst="rect">
+            <a:avLst/>
+          </a:prstGeom>
+          <a:ln>
+            <a:noFill/>
+          </a:ln>
+        </p:spPr>
+        <p:style>
+          <a:lnRef idx="2">
+            <a:schemeClr val="accent1">
+              <a:shade val="50000"/>
+            </a:schemeClr>
+          </a:lnRef>
+          <a:fillRef idx="1">
+            <a:schemeClr val="accent1"/>
+          </a:fillRef>
+          <a:effectRef idx="0">
+            <a:schemeClr val="accent1"/>
+          </a:effectRef>
+          <a:fontRef idx="minor">
+            <a:schemeClr val="lt1"/>
+          </a:fontRef>
+        </p:style>
+        <p:txBody>
+          <a:bodyPr rtlCol="0" anchor="ctr"/>
+          <a:lstStyle/>
+          <a:p>
+            <a:pPr algn="ctr"/>
+            <a:endParaRPr lang="en-US"/>
+          </a:p>
+        </p:txBody>
+      </p:sp>
+      <p:sp>
+        <p:nvSpPr>
+          <p:cNvPr id="33" name="Rectangle 32">
+            <a:extLst>
+              <a:ext uri="{FF2B5EF4-FFF2-40B4-BE49-F238E27FC236}">
+                <a16:creationId xmlns:a16="http://schemas.microsoft.com/office/drawing/2014/main" id="{8654E6D0-A14C-40BE-8E45-0815172668EC}"/>
+              </a:ext>
+              <a:ext uri="{C183D7F6-B498-43B3-948B-1728B52AA6E4}">
+                <adec:decorative xmlns:adec="http://schemas.microsoft.com/office/drawing/2017/decorative" val="1"/>
+              </a:ext>
+            </a:extLst>
+          </p:cNvPr>
+          <p:cNvSpPr>
+            <a:spLocks noGrp="1" noRot="1" noChangeAspect="1" noMove="1" noResize="1" noEditPoints="1" noAdjustHandles="1" noChangeArrowheads="1" noChangeShapeType="1" noTextEdit="1"/>
+          </p:cNvSpPr>
+          <p:nvPr>
+            <p:extLst>
+              <p:ext uri="{386F3935-93C4-4BCD-93E2-E3B085C9AB24}">
+                <p16:designElem xmlns:p16="http://schemas.microsoft.com/office/powerpoint/2015/main" val="1"/>
+              </p:ext>
+            </p:extLst>
+          </p:nvPr>
+        </p:nvSpPr>
+        <p:spPr>
+          <a:xfrm>
             <a:off x="0" y="0"/>
-            <a:ext cx="12192000" cy="6858000"/>
+            <a:ext cx="12188952" cy="6858000"/>
           </a:xfrm>
           <a:prstGeom prst="rect">
             <a:avLst/>
           </a:prstGeom>
           <a:solidFill>
-            <a:schemeClr val="tx1">
-              <a:lumMod val="65000"/>
-              <a:lumOff val="35000"/>
+            <a:schemeClr val="bg2">
+              <a:alpha val="50000"/>
             </a:schemeClr>
           </a:solidFill>
           <a:ln>
@@ -3888,25 +5450,25 @@
           <a:lstStyle/>
           <a:p>
             <a:pPr algn="ctr"/>
-            <a:endParaRPr lang="en-US"/>
-          </a:p>
-        </p:txBody>
-      </p:sp>
-      <p:sp>
-        <p:nvSpPr>
-          <p:cNvPr id="11" name="Rectangle 10">
-            <a:extLst>
-              <a:ext uri="{FF2B5EF4-FFF2-40B4-BE49-F238E27FC236}">
-                <a16:creationId xmlns:a16="http://schemas.microsoft.com/office/drawing/2014/main" id="{CB44330D-EA18-4254-AA95-EB49948539B8}"/>
+            <a:endParaRPr lang="en-US" dirty="0"/>
+          </a:p>
+        </p:txBody>
+      </p:sp>
+      <p:pic>
+        <p:nvPicPr>
+          <p:cNvPr id="35" name="Picture 34">
+            <a:extLst>
+              <a:ext uri="{FF2B5EF4-FFF2-40B4-BE49-F238E27FC236}">
+                <a16:creationId xmlns:a16="http://schemas.microsoft.com/office/drawing/2014/main" id="{5516C1EB-8D62-4BF0-92B5-02E6AE43B1F3}"/>
               </a:ext>
               <a:ext uri="{C183D7F6-B498-43B3-948B-1728B52AA6E4}">
                 <adec:decorative xmlns:adec="http://schemas.microsoft.com/office/drawing/2017/decorative" val="1"/>
               </a:ext>
             </a:extLst>
           </p:cNvPr>
-          <p:cNvSpPr>
-            <a:spLocks noGrp="1" noRot="1" noChangeAspect="1" noMove="1" noResize="1" noEditPoints="1" noAdjustHandles="1" noChangeArrowheads="1" noChangeShapeType="1" noTextEdit="1"/>
-          </p:cNvSpPr>
+          <p:cNvPicPr>
+            <a:picLocks noGrp="1" noRot="1" noChangeAspect="1" noMove="1" noResize="1" noEditPoints="1" noAdjustHandles="1" noChangeArrowheads="1" noChangeShapeType="1" noCrop="1"/>
+          </p:cNvPicPr>
           <p:nvPr>
             <p:extLst>
               <p:ext uri="{386F3935-93C4-4BCD-93E2-E3B085C9AB24}">
@@ -3914,17 +5476,64 @@
               </p:ext>
             </p:extLst>
           </p:nvPr>
-        </p:nvSpPr>
+        </p:nvPicPr>
+        <p:blipFill>
+          <a:blip r:embed="rId2">
+            <a:extLst>
+              <a:ext uri="{28A0092B-C50C-407E-A947-70E740481C1C}">
+                <a14:useLocalDpi xmlns:a14="http://schemas.microsoft.com/office/drawing/2010/main" val="0"/>
+              </a:ext>
+            </a:extLst>
+          </a:blip>
+          <a:stretch>
+            <a:fillRect/>
+          </a:stretch>
+        </p:blipFill>
         <p:spPr>
           <a:xfrm>
-            <a:off x="477012" y="480060"/>
-            <a:ext cx="11237976" cy="5897880"/>
+            <a:off x="0" y="0"/>
+            <a:ext cx="12188952" cy="6862380"/>
+          </a:xfrm>
+          <a:prstGeom prst="rect">
+            <a:avLst/>
+          </a:prstGeom>
+        </p:spPr>
+      </p:pic>
+      <p:sp>
+        <p:nvSpPr>
+          <p:cNvPr id="37" name="Rectangle 36">
+            <a:extLst>
+              <a:ext uri="{FF2B5EF4-FFF2-40B4-BE49-F238E27FC236}">
+                <a16:creationId xmlns:a16="http://schemas.microsoft.com/office/drawing/2014/main" id="{A737E5B8-8F31-4942-B159-B213C4D6D830}"/>
+              </a:ext>
+              <a:ext uri="{C183D7F6-B498-43B3-948B-1728B52AA6E4}">
+                <adec:decorative xmlns:adec="http://schemas.microsoft.com/office/drawing/2017/decorative" val="1"/>
+              </a:ext>
+            </a:extLst>
+          </p:cNvPr>
+          <p:cNvSpPr>
+            <a:spLocks noGrp="1" noRot="1" noChangeAspect="1" noMove="1" noResize="1" noEditPoints="1" noAdjustHandles="1" noChangeArrowheads="1" noChangeShapeType="1" noTextEdit="1"/>
+          </p:cNvSpPr>
+          <p:nvPr>
+            <p:extLst>
+              <p:ext uri="{386F3935-93C4-4BCD-93E2-E3B085C9AB24}">
+                <p16:designElem xmlns:p16="http://schemas.microsoft.com/office/powerpoint/2015/main" val="1"/>
+              </p:ext>
+            </p:extLst>
+          </p:nvPr>
+        </p:nvSpPr>
+        <p:spPr>
+          <a:xfrm>
+            <a:off x="0" y="0"/>
+            <a:ext cx="12188952" cy="6858000"/>
           </a:xfrm>
           <a:prstGeom prst="rect">
             <a:avLst/>
           </a:prstGeom>
           <a:solidFill>
-            <a:srgbClr val="FFFFFF"/>
+            <a:schemeClr val="accent1">
+              <a:alpha val="20000"/>
+            </a:schemeClr>
           </a:solidFill>
           <a:ln>
             <a:noFill/>
@@ -3951,36 +5560,270 @@
           <a:lstStyle/>
           <a:p>
             <a:pPr algn="ctr"/>
+            <a:endParaRPr lang="en-US" dirty="0"/>
+          </a:p>
+        </p:txBody>
+      </p:sp>
+      <p:sp>
+        <p:nvSpPr>
+          <p:cNvPr id="39" name="Rectangle 38">
+            <a:extLst>
+              <a:ext uri="{FF2B5EF4-FFF2-40B4-BE49-F238E27FC236}">
+                <a16:creationId xmlns:a16="http://schemas.microsoft.com/office/drawing/2014/main" id="{42A4FC2C-047E-45A5-965D-8E1E3BF09BC6}"/>
+              </a:ext>
+              <a:ext uri="{C183D7F6-B498-43B3-948B-1728B52AA6E4}">
+                <adec:decorative xmlns:adec="http://schemas.microsoft.com/office/drawing/2017/decorative" val="1"/>
+              </a:ext>
+            </a:extLst>
+          </p:cNvPr>
+          <p:cNvSpPr>
+            <a:spLocks noGrp="1" noRot="1" noChangeAspect="1" noMove="1" noResize="1" noEditPoints="1" noAdjustHandles="1" noChangeArrowheads="1" noChangeShapeType="1" noTextEdit="1"/>
+          </p:cNvSpPr>
+          <p:nvPr>
+            <p:extLst>
+              <p:ext uri="{386F3935-93C4-4BCD-93E2-E3B085C9AB24}">
+                <p16:designElem xmlns:p16="http://schemas.microsoft.com/office/powerpoint/2015/main" val="1"/>
+              </p:ext>
+            </p:extLst>
+          </p:nvPr>
+        </p:nvSpPr>
+        <p:spPr bwMode="white">
+          <a:xfrm>
+            <a:off x="1524" y="0"/>
+            <a:ext cx="12188952" cy="6858000"/>
+          </a:xfrm>
+          <a:prstGeom prst="rect">
+            <a:avLst/>
+          </a:prstGeom>
+          <a:noFill/>
+          <a:ln>
+            <a:noFill/>
+          </a:ln>
+        </p:spPr>
+        <p:style>
+          <a:lnRef idx="2">
+            <a:schemeClr val="accent1">
+              <a:shade val="50000"/>
+            </a:schemeClr>
+          </a:lnRef>
+          <a:fillRef idx="1">
+            <a:schemeClr val="accent1"/>
+          </a:fillRef>
+          <a:effectRef idx="0">
+            <a:schemeClr val="accent1"/>
+          </a:effectRef>
+          <a:fontRef idx="minor">
+            <a:schemeClr val="lt1"/>
+          </a:fontRef>
+        </p:style>
+        <p:txBody>
+          <a:bodyPr rtlCol="0" anchor="ctr"/>
+          <a:lstStyle>
+            <a:defPPr>
+              <a:defRPr lang="en-US"/>
+            </a:defPPr>
+            <a:lvl1pPr marL="0" algn="l" defTabSz="914400" rtl="0" eaLnBrk="1" latinLnBrk="0" hangingPunct="1">
+              <a:defRPr sz="1800" kern="1200">
+                <a:solidFill>
+                  <a:schemeClr val="lt1"/>
+                </a:solidFill>
+                <a:latin typeface="+mn-lt"/>
+                <a:ea typeface="+mn-ea"/>
+                <a:cs typeface="+mn-cs"/>
+              </a:defRPr>
+            </a:lvl1pPr>
+            <a:lvl2pPr marL="457200" algn="l" defTabSz="914400" rtl="0" eaLnBrk="1" latinLnBrk="0" hangingPunct="1">
+              <a:defRPr sz="1800" kern="1200">
+                <a:solidFill>
+                  <a:schemeClr val="lt1"/>
+                </a:solidFill>
+                <a:latin typeface="+mn-lt"/>
+                <a:ea typeface="+mn-ea"/>
+                <a:cs typeface="+mn-cs"/>
+              </a:defRPr>
+            </a:lvl2pPr>
+            <a:lvl3pPr marL="914400" algn="l" defTabSz="914400" rtl="0" eaLnBrk="1" latinLnBrk="0" hangingPunct="1">
+              <a:defRPr sz="1800" kern="1200">
+                <a:solidFill>
+                  <a:schemeClr val="lt1"/>
+                </a:solidFill>
+                <a:latin typeface="+mn-lt"/>
+                <a:ea typeface="+mn-ea"/>
+                <a:cs typeface="+mn-cs"/>
+              </a:defRPr>
+            </a:lvl3pPr>
+            <a:lvl4pPr marL="1371600" algn="l" defTabSz="914400" rtl="0" eaLnBrk="1" latinLnBrk="0" hangingPunct="1">
+              <a:defRPr sz="1800" kern="1200">
+                <a:solidFill>
+                  <a:schemeClr val="lt1"/>
+                </a:solidFill>
+                <a:latin typeface="+mn-lt"/>
+                <a:ea typeface="+mn-ea"/>
+                <a:cs typeface="+mn-cs"/>
+              </a:defRPr>
+            </a:lvl4pPr>
+            <a:lvl5pPr marL="1828800" algn="l" defTabSz="914400" rtl="0" eaLnBrk="1" latinLnBrk="0" hangingPunct="1">
+              <a:defRPr sz="1800" kern="1200">
+                <a:solidFill>
+                  <a:schemeClr val="lt1"/>
+                </a:solidFill>
+                <a:latin typeface="+mn-lt"/>
+                <a:ea typeface="+mn-ea"/>
+                <a:cs typeface="+mn-cs"/>
+              </a:defRPr>
+            </a:lvl5pPr>
+            <a:lvl6pPr marL="2286000" algn="l" defTabSz="914400" rtl="0" eaLnBrk="1" latinLnBrk="0" hangingPunct="1">
+              <a:defRPr sz="1800" kern="1200">
+                <a:solidFill>
+                  <a:schemeClr val="lt1"/>
+                </a:solidFill>
+                <a:latin typeface="+mn-lt"/>
+                <a:ea typeface="+mn-ea"/>
+                <a:cs typeface="+mn-cs"/>
+              </a:defRPr>
+            </a:lvl6pPr>
+            <a:lvl7pPr marL="2743200" algn="l" defTabSz="914400" rtl="0" eaLnBrk="1" latinLnBrk="0" hangingPunct="1">
+              <a:defRPr sz="1800" kern="1200">
+                <a:solidFill>
+                  <a:schemeClr val="lt1"/>
+                </a:solidFill>
+                <a:latin typeface="+mn-lt"/>
+                <a:ea typeface="+mn-ea"/>
+                <a:cs typeface="+mn-cs"/>
+              </a:defRPr>
+            </a:lvl7pPr>
+            <a:lvl8pPr marL="3200400" algn="l" defTabSz="914400" rtl="0" eaLnBrk="1" latinLnBrk="0" hangingPunct="1">
+              <a:defRPr sz="1800" kern="1200">
+                <a:solidFill>
+                  <a:schemeClr val="lt1"/>
+                </a:solidFill>
+                <a:latin typeface="+mn-lt"/>
+                <a:ea typeface="+mn-ea"/>
+                <a:cs typeface="+mn-cs"/>
+              </a:defRPr>
+            </a:lvl8pPr>
+            <a:lvl9pPr marL="3657600" algn="l" defTabSz="914400" rtl="0" eaLnBrk="1" latinLnBrk="0" hangingPunct="1">
+              <a:defRPr sz="1800" kern="1200">
+                <a:solidFill>
+                  <a:schemeClr val="lt1"/>
+                </a:solidFill>
+                <a:latin typeface="+mn-lt"/>
+                <a:ea typeface="+mn-ea"/>
+                <a:cs typeface="+mn-cs"/>
+              </a:defRPr>
+            </a:lvl9pPr>
+          </a:lstStyle>
+          <a:p>
+            <a:pPr algn="ctr"/>
             <a:endParaRPr lang="en-US"/>
+          </a:p>
+        </p:txBody>
+      </p:sp>
+      <p:sp>
+        <p:nvSpPr>
+          <p:cNvPr id="41" name="Rectangle 40">
+            <a:extLst>
+              <a:ext uri="{FF2B5EF4-FFF2-40B4-BE49-F238E27FC236}">
+                <a16:creationId xmlns:a16="http://schemas.microsoft.com/office/drawing/2014/main" id="{78F530DA-C7D1-4968-8F8A-8700C2BB2A49}"/>
+              </a:ext>
+              <a:ext uri="{C183D7F6-B498-43B3-948B-1728B52AA6E4}">
+                <adec:decorative xmlns:adec="http://schemas.microsoft.com/office/drawing/2017/decorative" val="1"/>
+              </a:ext>
+            </a:extLst>
+          </p:cNvPr>
+          <p:cNvSpPr>
+            <a:spLocks noGrp="1" noRot="1" noChangeAspect="1" noMove="1" noResize="1" noEditPoints="1" noAdjustHandles="1" noChangeArrowheads="1" noChangeShapeType="1" noTextEdit="1"/>
+          </p:cNvSpPr>
+          <p:nvPr>
+            <p:extLst>
+              <p:ext uri="{386F3935-93C4-4BCD-93E2-E3B085C9AB24}">
+                <p16:designElem xmlns:p16="http://schemas.microsoft.com/office/powerpoint/2015/main" val="1"/>
+              </p:ext>
+            </p:extLst>
+          </p:nvPr>
+        </p:nvSpPr>
+        <p:spPr>
+          <a:xfrm>
+            <a:off x="538542" y="552813"/>
+            <a:ext cx="11099352" cy="5905972"/>
+          </a:xfrm>
+          <a:prstGeom prst="rect">
+            <a:avLst/>
+          </a:prstGeom>
+          <a:solidFill>
+            <a:schemeClr val="bg1"/>
+          </a:solidFill>
+          <a:ln w="34925">
+            <a:noFill/>
+          </a:ln>
+        </p:spPr>
+        <p:style>
+          <a:lnRef idx="2">
+            <a:schemeClr val="accent1">
+              <a:shade val="50000"/>
+            </a:schemeClr>
+          </a:lnRef>
+          <a:fillRef idx="1">
+            <a:schemeClr val="accent1"/>
+          </a:fillRef>
+          <a:effectRef idx="0">
+            <a:schemeClr val="accent1"/>
+          </a:effectRef>
+          <a:fontRef idx="minor">
+            <a:schemeClr val="lt1"/>
+          </a:fontRef>
+        </p:style>
+        <p:txBody>
+          <a:bodyPr rtlCol="0" anchor="ctr"/>
+          <a:lstStyle/>
+          <a:p>
+            <a:pPr algn="ctr"/>
+            <a:endParaRPr lang="en-US" b="1">
+              <a:ln w="22225">
+                <a:solidFill>
+                  <a:schemeClr val="accent2"/>
+                </a:solidFill>
+                <a:prstDash val="solid"/>
+              </a:ln>
+              <a:solidFill>
+                <a:schemeClr val="accent2">
+                  <a:lumMod val="40000"/>
+                  <a:lumOff val="60000"/>
+                </a:schemeClr>
+              </a:solidFill>
+            </a:endParaRPr>
           </a:p>
         </p:txBody>
       </p:sp>
       <p:pic>
         <p:nvPicPr>
-          <p:cNvPr id="4" name="Content Placeholder 3" descr="Chart, line chart, histogram&#10;&#10;Description automatically generated">
-            <a:extLst>
-              <a:ext uri="{FF2B5EF4-FFF2-40B4-BE49-F238E27FC236}">
-                <a16:creationId xmlns:a16="http://schemas.microsoft.com/office/drawing/2014/main" id="{3E8AB92F-11D9-E8AA-E065-FE42C2F3C23A}"/>
+          <p:cNvPr id="14" name="Picture 13" descr="Chart, histogram&#10;&#10;Description automatically generated">
+            <a:extLst>
+              <a:ext uri="{FF2B5EF4-FFF2-40B4-BE49-F238E27FC236}">
+                <a16:creationId xmlns:a16="http://schemas.microsoft.com/office/drawing/2014/main" id="{39F832DF-6FB2-D525-C9C5-9C7C9ED23152}"/>
               </a:ext>
             </a:extLst>
           </p:cNvPr>
           <p:cNvPicPr>
-            <a:picLocks noGrp="1" noChangeAspect="1"/>
+            <a:picLocks noChangeAspect="1"/>
           </p:cNvPicPr>
-          <p:nvPr>
-            <p:ph idx="1"/>
-          </p:nvPr>
+          <p:nvPr/>
         </p:nvPicPr>
-        <p:blipFill>
-          <a:blip r:embed="rId2"/>
-          <a:stretch>
-            <a:fillRect/>
-          </a:stretch>
+        <p:blipFill rotWithShape="1">
+          <a:blip r:embed="rId3">
+            <a:extLst>
+              <a:ext uri="{28A0092B-C50C-407E-A947-70E740481C1C}">
+                <a14:useLocalDpi xmlns:a14="http://schemas.microsoft.com/office/drawing/2010/main" val="0"/>
+              </a:ext>
+            </a:extLst>
+          </a:blip>
+          <a:srcRect r="3274" b="-8"/>
+          <a:stretch/>
         </p:blipFill>
         <p:spPr>
           <a:xfrm>
-            <a:off x="643467" y="702733"/>
-            <a:ext cx="10905066" cy="5452533"/>
+            <a:off x="629921" y="686574"/>
+            <a:ext cx="10852094" cy="5610192"/>
           </a:xfrm>
           <a:prstGeom prst="rect">
             <a:avLst/>
@@ -4025,12 +5868,12 @@
           <a:chExt cx="0" cy="0"/>
         </a:xfrm>
       </p:grpSpPr>
-      <p:sp>
-        <p:nvSpPr>
-          <p:cNvPr id="9" name="Rectangle 8">
-            <a:extLst>
-              <a:ext uri="{FF2B5EF4-FFF2-40B4-BE49-F238E27FC236}">
-                <a16:creationId xmlns:a16="http://schemas.microsoft.com/office/drawing/2014/main" id="{32BC26D8-82FB-445E-AA49-62A77D7C1EE0}"/>
+      <p:sp useBgFill="1">
+        <p:nvSpPr>
+          <p:cNvPr id="23" name="Rectangle 22">
+            <a:extLst>
+              <a:ext uri="{FF2B5EF4-FFF2-40B4-BE49-F238E27FC236}">
+                <a16:creationId xmlns:a16="http://schemas.microsoft.com/office/drawing/2014/main" id="{A93898FF-D987-4B0E-BFB4-85F5EB356D4D}"/>
               </a:ext>
               <a:ext uri="{C183D7F6-B498-43B3-948B-1728B52AA6E4}">
                 <adec:decorative xmlns:adec="http://schemas.microsoft.com/office/drawing/2017/decorative" val="1"/>
@@ -4050,16 +5893,75 @@
         </p:nvSpPr>
         <p:spPr>
           <a:xfrm>
+            <a:off x="0" y="-1"/>
+            <a:ext cx="12188952" cy="6858000"/>
+          </a:xfrm>
+          <a:prstGeom prst="rect">
+            <a:avLst/>
+          </a:prstGeom>
+          <a:ln>
+            <a:noFill/>
+          </a:ln>
+        </p:spPr>
+        <p:style>
+          <a:lnRef idx="2">
+            <a:schemeClr val="accent1">
+              <a:shade val="50000"/>
+            </a:schemeClr>
+          </a:lnRef>
+          <a:fillRef idx="1">
+            <a:schemeClr val="accent1"/>
+          </a:fillRef>
+          <a:effectRef idx="0">
+            <a:schemeClr val="accent1"/>
+          </a:effectRef>
+          <a:fontRef idx="minor">
+            <a:schemeClr val="lt1"/>
+          </a:fontRef>
+        </p:style>
+        <p:txBody>
+          <a:bodyPr rtlCol="0" anchor="ctr"/>
+          <a:lstStyle/>
+          <a:p>
+            <a:pPr algn="ctr"/>
+            <a:endParaRPr lang="en-US"/>
+          </a:p>
+        </p:txBody>
+      </p:sp>
+      <p:sp>
+        <p:nvSpPr>
+          <p:cNvPr id="25" name="Rectangle 24">
+            <a:extLst>
+              <a:ext uri="{FF2B5EF4-FFF2-40B4-BE49-F238E27FC236}">
+                <a16:creationId xmlns:a16="http://schemas.microsoft.com/office/drawing/2014/main" id="{8654E6D0-A14C-40BE-8E45-0815172668EC}"/>
+              </a:ext>
+              <a:ext uri="{C183D7F6-B498-43B3-948B-1728B52AA6E4}">
+                <adec:decorative xmlns:adec="http://schemas.microsoft.com/office/drawing/2017/decorative" val="1"/>
+              </a:ext>
+            </a:extLst>
+          </p:cNvPr>
+          <p:cNvSpPr>
+            <a:spLocks noGrp="1" noRot="1" noChangeAspect="1" noMove="1" noResize="1" noEditPoints="1" noAdjustHandles="1" noChangeArrowheads="1" noChangeShapeType="1" noTextEdit="1"/>
+          </p:cNvSpPr>
+          <p:nvPr>
+            <p:extLst>
+              <p:ext uri="{386F3935-93C4-4BCD-93E2-E3B085C9AB24}">
+                <p16:designElem xmlns:p16="http://schemas.microsoft.com/office/powerpoint/2015/main" val="1"/>
+              </p:ext>
+            </p:extLst>
+          </p:nvPr>
+        </p:nvSpPr>
+        <p:spPr>
+          <a:xfrm>
             <a:off x="0" y="0"/>
-            <a:ext cx="12192000" cy="6858000"/>
+            <a:ext cx="12188952" cy="6858000"/>
           </a:xfrm>
           <a:prstGeom prst="rect">
             <a:avLst/>
           </a:prstGeom>
           <a:solidFill>
-            <a:schemeClr val="tx1">
-              <a:lumMod val="65000"/>
-              <a:lumOff val="35000"/>
+            <a:schemeClr val="bg2">
+              <a:alpha val="50000"/>
             </a:schemeClr>
           </a:solidFill>
           <a:ln>
@@ -4087,25 +5989,25 @@
           <a:lstStyle/>
           <a:p>
             <a:pPr algn="ctr"/>
-            <a:endParaRPr lang="en-US"/>
-          </a:p>
-        </p:txBody>
-      </p:sp>
-      <p:sp>
-        <p:nvSpPr>
-          <p:cNvPr id="11" name="Rectangle 10">
-            <a:extLst>
-              <a:ext uri="{FF2B5EF4-FFF2-40B4-BE49-F238E27FC236}">
-                <a16:creationId xmlns:a16="http://schemas.microsoft.com/office/drawing/2014/main" id="{CB44330D-EA18-4254-AA95-EB49948539B8}"/>
+            <a:endParaRPr lang="en-US" dirty="0"/>
+          </a:p>
+        </p:txBody>
+      </p:sp>
+      <p:pic>
+        <p:nvPicPr>
+          <p:cNvPr id="27" name="Picture 26">
+            <a:extLst>
+              <a:ext uri="{FF2B5EF4-FFF2-40B4-BE49-F238E27FC236}">
+                <a16:creationId xmlns:a16="http://schemas.microsoft.com/office/drawing/2014/main" id="{5516C1EB-8D62-4BF0-92B5-02E6AE43B1F3}"/>
               </a:ext>
               <a:ext uri="{C183D7F6-B498-43B3-948B-1728B52AA6E4}">
                 <adec:decorative xmlns:adec="http://schemas.microsoft.com/office/drawing/2017/decorative" val="1"/>
               </a:ext>
             </a:extLst>
           </p:cNvPr>
-          <p:cNvSpPr>
-            <a:spLocks noGrp="1" noRot="1" noChangeAspect="1" noMove="1" noResize="1" noEditPoints="1" noAdjustHandles="1" noChangeArrowheads="1" noChangeShapeType="1" noTextEdit="1"/>
-          </p:cNvSpPr>
+          <p:cNvPicPr>
+            <a:picLocks noGrp="1" noRot="1" noChangeAspect="1" noMove="1" noResize="1" noEditPoints="1" noAdjustHandles="1" noChangeArrowheads="1" noChangeShapeType="1" noCrop="1"/>
+          </p:cNvPicPr>
           <p:nvPr>
             <p:extLst>
               <p:ext uri="{386F3935-93C4-4BCD-93E2-E3B085C9AB24}">
@@ -4113,17 +6015,64 @@
               </p:ext>
             </p:extLst>
           </p:nvPr>
-        </p:nvSpPr>
+        </p:nvPicPr>
+        <p:blipFill>
+          <a:blip r:embed="rId2">
+            <a:extLst>
+              <a:ext uri="{28A0092B-C50C-407E-A947-70E740481C1C}">
+                <a14:useLocalDpi xmlns:a14="http://schemas.microsoft.com/office/drawing/2010/main" val="0"/>
+              </a:ext>
+            </a:extLst>
+          </a:blip>
+          <a:stretch>
+            <a:fillRect/>
+          </a:stretch>
+        </p:blipFill>
         <p:spPr>
           <a:xfrm>
-            <a:off x="477012" y="480060"/>
-            <a:ext cx="11237976" cy="5897880"/>
+            <a:off x="0" y="0"/>
+            <a:ext cx="12188952" cy="6862380"/>
+          </a:xfrm>
+          <a:prstGeom prst="rect">
+            <a:avLst/>
+          </a:prstGeom>
+        </p:spPr>
+      </p:pic>
+      <p:sp>
+        <p:nvSpPr>
+          <p:cNvPr id="29" name="Rectangle 28">
+            <a:extLst>
+              <a:ext uri="{FF2B5EF4-FFF2-40B4-BE49-F238E27FC236}">
+                <a16:creationId xmlns:a16="http://schemas.microsoft.com/office/drawing/2014/main" id="{A737E5B8-8F31-4942-B159-B213C4D6D830}"/>
+              </a:ext>
+              <a:ext uri="{C183D7F6-B498-43B3-948B-1728B52AA6E4}">
+                <adec:decorative xmlns:adec="http://schemas.microsoft.com/office/drawing/2017/decorative" val="1"/>
+              </a:ext>
+            </a:extLst>
+          </p:cNvPr>
+          <p:cNvSpPr>
+            <a:spLocks noGrp="1" noRot="1" noChangeAspect="1" noMove="1" noResize="1" noEditPoints="1" noAdjustHandles="1" noChangeArrowheads="1" noChangeShapeType="1" noTextEdit="1"/>
+          </p:cNvSpPr>
+          <p:nvPr>
+            <p:extLst>
+              <p:ext uri="{386F3935-93C4-4BCD-93E2-E3B085C9AB24}">
+                <p16:designElem xmlns:p16="http://schemas.microsoft.com/office/powerpoint/2015/main" val="1"/>
+              </p:ext>
+            </p:extLst>
+          </p:nvPr>
+        </p:nvSpPr>
+        <p:spPr>
+          <a:xfrm>
+            <a:off x="0" y="0"/>
+            <a:ext cx="12188952" cy="6858000"/>
           </a:xfrm>
           <a:prstGeom prst="rect">
             <a:avLst/>
           </a:prstGeom>
           <a:solidFill>
-            <a:srgbClr val="FFFFFF"/>
+            <a:schemeClr val="accent1">
+              <a:alpha val="20000"/>
+            </a:schemeClr>
           </a:solidFill>
           <a:ln>
             <a:noFill/>
@@ -4150,16 +6099,247 @@
           <a:lstStyle/>
           <a:p>
             <a:pPr algn="ctr"/>
+            <a:endParaRPr lang="en-US" dirty="0"/>
+          </a:p>
+        </p:txBody>
+      </p:sp>
+      <p:sp>
+        <p:nvSpPr>
+          <p:cNvPr id="31" name="Rectangle 30">
+            <a:extLst>
+              <a:ext uri="{FF2B5EF4-FFF2-40B4-BE49-F238E27FC236}">
+                <a16:creationId xmlns:a16="http://schemas.microsoft.com/office/drawing/2014/main" id="{42A4FC2C-047E-45A5-965D-8E1E3BF09BC6}"/>
+              </a:ext>
+              <a:ext uri="{C183D7F6-B498-43B3-948B-1728B52AA6E4}">
+                <adec:decorative xmlns:adec="http://schemas.microsoft.com/office/drawing/2017/decorative" val="1"/>
+              </a:ext>
+            </a:extLst>
+          </p:cNvPr>
+          <p:cNvSpPr>
+            <a:spLocks noGrp="1" noRot="1" noChangeAspect="1" noMove="1" noResize="1" noEditPoints="1" noAdjustHandles="1" noChangeArrowheads="1" noChangeShapeType="1" noTextEdit="1"/>
+          </p:cNvSpPr>
+          <p:nvPr>
+            <p:extLst>
+              <p:ext uri="{386F3935-93C4-4BCD-93E2-E3B085C9AB24}">
+                <p16:designElem xmlns:p16="http://schemas.microsoft.com/office/powerpoint/2015/main" val="1"/>
+              </p:ext>
+            </p:extLst>
+          </p:nvPr>
+        </p:nvSpPr>
+        <p:spPr bwMode="white">
+          <a:xfrm>
+            <a:off x="1524" y="0"/>
+            <a:ext cx="12188952" cy="6858000"/>
+          </a:xfrm>
+          <a:prstGeom prst="rect">
+            <a:avLst/>
+          </a:prstGeom>
+          <a:noFill/>
+          <a:ln>
+            <a:noFill/>
+          </a:ln>
+        </p:spPr>
+        <p:style>
+          <a:lnRef idx="2">
+            <a:schemeClr val="accent1">
+              <a:shade val="50000"/>
+            </a:schemeClr>
+          </a:lnRef>
+          <a:fillRef idx="1">
+            <a:schemeClr val="accent1"/>
+          </a:fillRef>
+          <a:effectRef idx="0">
+            <a:schemeClr val="accent1"/>
+          </a:effectRef>
+          <a:fontRef idx="minor">
+            <a:schemeClr val="lt1"/>
+          </a:fontRef>
+        </p:style>
+        <p:txBody>
+          <a:bodyPr rtlCol="0" anchor="ctr"/>
+          <a:lstStyle>
+            <a:defPPr>
+              <a:defRPr lang="en-US"/>
+            </a:defPPr>
+            <a:lvl1pPr marL="0" algn="l" defTabSz="914400" rtl="0" eaLnBrk="1" latinLnBrk="0" hangingPunct="1">
+              <a:defRPr sz="1800" kern="1200">
+                <a:solidFill>
+                  <a:schemeClr val="lt1"/>
+                </a:solidFill>
+                <a:latin typeface="+mn-lt"/>
+                <a:ea typeface="+mn-ea"/>
+                <a:cs typeface="+mn-cs"/>
+              </a:defRPr>
+            </a:lvl1pPr>
+            <a:lvl2pPr marL="457200" algn="l" defTabSz="914400" rtl="0" eaLnBrk="1" latinLnBrk="0" hangingPunct="1">
+              <a:defRPr sz="1800" kern="1200">
+                <a:solidFill>
+                  <a:schemeClr val="lt1"/>
+                </a:solidFill>
+                <a:latin typeface="+mn-lt"/>
+                <a:ea typeface="+mn-ea"/>
+                <a:cs typeface="+mn-cs"/>
+              </a:defRPr>
+            </a:lvl2pPr>
+            <a:lvl3pPr marL="914400" algn="l" defTabSz="914400" rtl="0" eaLnBrk="1" latinLnBrk="0" hangingPunct="1">
+              <a:defRPr sz="1800" kern="1200">
+                <a:solidFill>
+                  <a:schemeClr val="lt1"/>
+                </a:solidFill>
+                <a:latin typeface="+mn-lt"/>
+                <a:ea typeface="+mn-ea"/>
+                <a:cs typeface="+mn-cs"/>
+              </a:defRPr>
+            </a:lvl3pPr>
+            <a:lvl4pPr marL="1371600" algn="l" defTabSz="914400" rtl="0" eaLnBrk="1" latinLnBrk="0" hangingPunct="1">
+              <a:defRPr sz="1800" kern="1200">
+                <a:solidFill>
+                  <a:schemeClr val="lt1"/>
+                </a:solidFill>
+                <a:latin typeface="+mn-lt"/>
+                <a:ea typeface="+mn-ea"/>
+                <a:cs typeface="+mn-cs"/>
+              </a:defRPr>
+            </a:lvl4pPr>
+            <a:lvl5pPr marL="1828800" algn="l" defTabSz="914400" rtl="0" eaLnBrk="1" latinLnBrk="0" hangingPunct="1">
+              <a:defRPr sz="1800" kern="1200">
+                <a:solidFill>
+                  <a:schemeClr val="lt1"/>
+                </a:solidFill>
+                <a:latin typeface="+mn-lt"/>
+                <a:ea typeface="+mn-ea"/>
+                <a:cs typeface="+mn-cs"/>
+              </a:defRPr>
+            </a:lvl5pPr>
+            <a:lvl6pPr marL="2286000" algn="l" defTabSz="914400" rtl="0" eaLnBrk="1" latinLnBrk="0" hangingPunct="1">
+              <a:defRPr sz="1800" kern="1200">
+                <a:solidFill>
+                  <a:schemeClr val="lt1"/>
+                </a:solidFill>
+                <a:latin typeface="+mn-lt"/>
+                <a:ea typeface="+mn-ea"/>
+                <a:cs typeface="+mn-cs"/>
+              </a:defRPr>
+            </a:lvl6pPr>
+            <a:lvl7pPr marL="2743200" algn="l" defTabSz="914400" rtl="0" eaLnBrk="1" latinLnBrk="0" hangingPunct="1">
+              <a:defRPr sz="1800" kern="1200">
+                <a:solidFill>
+                  <a:schemeClr val="lt1"/>
+                </a:solidFill>
+                <a:latin typeface="+mn-lt"/>
+                <a:ea typeface="+mn-ea"/>
+                <a:cs typeface="+mn-cs"/>
+              </a:defRPr>
+            </a:lvl7pPr>
+            <a:lvl8pPr marL="3200400" algn="l" defTabSz="914400" rtl="0" eaLnBrk="1" latinLnBrk="0" hangingPunct="1">
+              <a:defRPr sz="1800" kern="1200">
+                <a:solidFill>
+                  <a:schemeClr val="lt1"/>
+                </a:solidFill>
+                <a:latin typeface="+mn-lt"/>
+                <a:ea typeface="+mn-ea"/>
+                <a:cs typeface="+mn-cs"/>
+              </a:defRPr>
+            </a:lvl8pPr>
+            <a:lvl9pPr marL="3657600" algn="l" defTabSz="914400" rtl="0" eaLnBrk="1" latinLnBrk="0" hangingPunct="1">
+              <a:defRPr sz="1800" kern="1200">
+                <a:solidFill>
+                  <a:schemeClr val="lt1"/>
+                </a:solidFill>
+                <a:latin typeface="+mn-lt"/>
+                <a:ea typeface="+mn-ea"/>
+                <a:cs typeface="+mn-cs"/>
+              </a:defRPr>
+            </a:lvl9pPr>
+          </a:lstStyle>
+          <a:p>
+            <a:pPr algn="ctr"/>
             <a:endParaRPr lang="en-US"/>
+          </a:p>
+        </p:txBody>
+      </p:sp>
+      <p:sp>
+        <p:nvSpPr>
+          <p:cNvPr id="33" name="Rectangle 32">
+            <a:extLst>
+              <a:ext uri="{FF2B5EF4-FFF2-40B4-BE49-F238E27FC236}">
+                <a16:creationId xmlns:a16="http://schemas.microsoft.com/office/drawing/2014/main" id="{78F530DA-C7D1-4968-8F8A-8700C2BB2A49}"/>
+              </a:ext>
+              <a:ext uri="{C183D7F6-B498-43B3-948B-1728B52AA6E4}">
+                <adec:decorative xmlns:adec="http://schemas.microsoft.com/office/drawing/2017/decorative" val="1"/>
+              </a:ext>
+            </a:extLst>
+          </p:cNvPr>
+          <p:cNvSpPr>
+            <a:spLocks noGrp="1" noRot="1" noChangeAspect="1" noMove="1" noResize="1" noEditPoints="1" noAdjustHandles="1" noChangeArrowheads="1" noChangeShapeType="1" noTextEdit="1"/>
+          </p:cNvSpPr>
+          <p:nvPr>
+            <p:extLst>
+              <p:ext uri="{386F3935-93C4-4BCD-93E2-E3B085C9AB24}">
+                <p16:designElem xmlns:p16="http://schemas.microsoft.com/office/powerpoint/2015/main" val="1"/>
+              </p:ext>
+            </p:extLst>
+          </p:nvPr>
+        </p:nvSpPr>
+        <p:spPr>
+          <a:xfrm>
+            <a:off x="538542" y="552813"/>
+            <a:ext cx="11099352" cy="5905972"/>
+          </a:xfrm>
+          <a:prstGeom prst="rect">
+            <a:avLst/>
+          </a:prstGeom>
+          <a:solidFill>
+            <a:schemeClr val="bg1"/>
+          </a:solidFill>
+          <a:ln w="34925">
+            <a:noFill/>
+          </a:ln>
+        </p:spPr>
+        <p:style>
+          <a:lnRef idx="2">
+            <a:schemeClr val="accent1">
+              <a:shade val="50000"/>
+            </a:schemeClr>
+          </a:lnRef>
+          <a:fillRef idx="1">
+            <a:schemeClr val="accent1"/>
+          </a:fillRef>
+          <a:effectRef idx="0">
+            <a:schemeClr val="accent1"/>
+          </a:effectRef>
+          <a:fontRef idx="minor">
+            <a:schemeClr val="lt1"/>
+          </a:fontRef>
+        </p:style>
+        <p:txBody>
+          <a:bodyPr rtlCol="0" anchor="ctr"/>
+          <a:lstStyle/>
+          <a:p>
+            <a:pPr algn="ctr"/>
+            <a:endParaRPr lang="en-US" b="1">
+              <a:ln w="22225">
+                <a:solidFill>
+                  <a:schemeClr val="accent2"/>
+                </a:solidFill>
+                <a:prstDash val="solid"/>
+              </a:ln>
+              <a:solidFill>
+                <a:schemeClr val="accent2">
+                  <a:lumMod val="40000"/>
+                  <a:lumOff val="60000"/>
+                </a:schemeClr>
+              </a:solidFill>
+            </a:endParaRPr>
           </a:p>
         </p:txBody>
       </p:sp>
       <p:pic>
         <p:nvPicPr>
-          <p:cNvPr id="4" name="Content Placeholder 3">
-            <a:extLst>
-              <a:ext uri="{FF2B5EF4-FFF2-40B4-BE49-F238E27FC236}">
-                <a16:creationId xmlns:a16="http://schemas.microsoft.com/office/drawing/2014/main" id="{4CEE54D6-E181-AA3D-CB38-73622CB4A2AC}"/>
+          <p:cNvPr id="8" name="Content Placeholder 7" descr="Chart, histogram&#10;&#10;Description automatically generated">
+            <a:extLst>
+              <a:ext uri="{FF2B5EF4-FFF2-40B4-BE49-F238E27FC236}">
+                <a16:creationId xmlns:a16="http://schemas.microsoft.com/office/drawing/2014/main" id="{DDE1BED1-0C73-EBFA-1FB6-AD7B6E15AF04}"/>
               </a:ext>
             </a:extLst>
           </p:cNvPr>
@@ -4170,16 +6350,21 @@
             <p:ph idx="1"/>
           </p:nvPr>
         </p:nvPicPr>
-        <p:blipFill>
-          <a:blip r:embed="rId2"/>
-          <a:stretch>
-            <a:fillRect/>
-          </a:stretch>
+        <p:blipFill rotWithShape="1">
+          <a:blip r:embed="rId3">
+            <a:extLst>
+              <a:ext uri="{28A0092B-C50C-407E-A947-70E740481C1C}">
+                <a14:useLocalDpi xmlns:a14="http://schemas.microsoft.com/office/drawing/2010/main" val="0"/>
+              </a:ext>
+            </a:extLst>
+          </a:blip>
+          <a:srcRect r="3274" b="-8"/>
+          <a:stretch/>
         </p:blipFill>
         <p:spPr>
           <a:xfrm>
-            <a:off x="643467" y="702733"/>
-            <a:ext cx="10905066" cy="5452533"/>
+            <a:off x="554107" y="647381"/>
+            <a:ext cx="10927908" cy="5649385"/>
           </a:xfrm>
           <a:prstGeom prst="rect">
             <a:avLst/>
